--- a/CSSI4260_TermProject.pptx
+++ b/CSSI4260_TermProject.pptx
@@ -5,7 +5,7 @@
     <p:sldMasterId id="2147483688" r:id="rId4"/>
   </p:sldMasterIdLst>
   <p:notesMasterIdLst>
-    <p:notesMasterId r:id="rId32"/>
+    <p:notesMasterId r:id="rId33"/>
   </p:notesMasterIdLst>
   <p:sldIdLst>
     <p:sldId id="256" r:id="rId5"/>
@@ -26,50 +26,70 @@
     <p:sldId id="320" r:id="rId20"/>
     <p:sldId id="322" r:id="rId21"/>
     <p:sldId id="321" r:id="rId22"/>
-    <p:sldId id="330" r:id="rId23"/>
-    <p:sldId id="323" r:id="rId24"/>
-    <p:sldId id="331" r:id="rId25"/>
-    <p:sldId id="332" r:id="rId26"/>
-    <p:sldId id="328" r:id="rId27"/>
-    <p:sldId id="333" r:id="rId28"/>
-    <p:sldId id="329" r:id="rId29"/>
-    <p:sldId id="334" r:id="rId30"/>
-    <p:sldId id="335" r:id="rId31"/>
+    <p:sldId id="336" r:id="rId23"/>
+    <p:sldId id="330" r:id="rId24"/>
+    <p:sldId id="323" r:id="rId25"/>
+    <p:sldId id="331" r:id="rId26"/>
+    <p:sldId id="332" r:id="rId27"/>
+    <p:sldId id="328" r:id="rId28"/>
+    <p:sldId id="333" r:id="rId29"/>
+    <p:sldId id="329" r:id="rId30"/>
+    <p:sldId id="334" r:id="rId31"/>
+    <p:sldId id="335" r:id="rId32"/>
   </p:sldIdLst>
   <p:sldSz cx="9144000" cy="5143500" type="screen16x9"/>
   <p:notesSz cx="6858000" cy="9144000"/>
   <p:embeddedFontLst>
     <p:embeddedFont>
       <p:font typeface="Anton" pitchFamily="2" charset="0"/>
-      <p:regular r:id="rId33"/>
+      <p:regular r:id="rId34"/>
     </p:embeddedFont>
     <p:embeddedFont>
       <p:font typeface="Lato" panose="020F0502020204030203" pitchFamily="34" charset="0"/>
-      <p:regular r:id="rId34"/>
-      <p:bold r:id="rId35"/>
-      <p:italic r:id="rId36"/>
-      <p:boldItalic r:id="rId37"/>
+      <p:regular r:id="rId35"/>
+      <p:bold r:id="rId36"/>
+      <p:italic r:id="rId37"/>
+      <p:boldItalic r:id="rId38"/>
+    </p:embeddedFont>
+    <p:embeddedFont>
+      <p:font typeface="Livvic" pitchFamily="2" charset="0"/>
+      <p:regular r:id="rId39"/>
+      <p:bold r:id="rId40"/>
+      <p:italic r:id="rId41"/>
+      <p:boldItalic r:id="rId42"/>
     </p:embeddedFont>
     <p:embeddedFont>
       <p:font typeface="Open Sans" panose="020B0606030504020204" pitchFamily="34" charset="0"/>
-      <p:regular r:id="rId38"/>
-      <p:bold r:id="rId39"/>
-      <p:italic r:id="rId40"/>
-      <p:boldItalic r:id="rId41"/>
+      <p:regular r:id="rId43"/>
+      <p:bold r:id="rId44"/>
+      <p:italic r:id="rId45"/>
+      <p:boldItalic r:id="rId46"/>
+    </p:embeddedFont>
+    <p:embeddedFont>
+      <p:font typeface="Roboto" panose="02000000000000000000" pitchFamily="2" charset="0"/>
+      <p:regular r:id="rId47"/>
+      <p:bold r:id="rId48"/>
+      <p:italic r:id="rId49"/>
+      <p:boldItalic r:id="rId50"/>
+    </p:embeddedFont>
+    <p:embeddedFont>
+      <p:font typeface="Roboto Condensed Light" panose="02000000000000000000" pitchFamily="2" charset="0"/>
+      <p:regular r:id="rId51"/>
+      <p:italic r:id="rId52"/>
     </p:embeddedFont>
     <p:embeddedFont>
       <p:font typeface="Roboto Mono" panose="020B0604020202020204" charset="0"/>
-      <p:regular r:id="rId42"/>
-      <p:bold r:id="rId43"/>
-      <p:italic r:id="rId44"/>
-      <p:boldItalic r:id="rId45"/>
+      <p:regular r:id="rId53"/>
+      <p:bold r:id="rId54"/>
+      <p:italic r:id="rId55"/>
+      <p:boldItalic r:id="rId56"/>
     </p:embeddedFont>
     <p:embeddedFont>
       <p:font typeface="Roboto Mono Medium" panose="020B0604020202020204" charset="0"/>
-      <p:regular r:id="rId46"/>
-      <p:bold r:id="rId47"/>
-      <p:italic r:id="rId48"/>
-      <p:boldItalic r:id="rId49"/>
+      <p:regular r:id="rId57"/>
+      <p:bold r:id="rId58"/>
+      <p:italic r:id="rId59"/>
+      <p:boldItalic r:id="rId60"/>
     </p:embeddedFont>
   </p:embeddedFontLst>
   <p:defaultTextStyle>
@@ -324,6 +344,7 @@
             <p14:sldId id="320"/>
             <p14:sldId id="322"/>
             <p14:sldId id="321"/>
+            <p14:sldId id="336"/>
             <p14:sldId id="330"/>
             <p14:sldId id="323"/>
             <p14:sldId id="331"/>
@@ -361,6 +382,58 @@
     <p1510:client id="{A5C0B2E5-C50B-4B7F-9790-F83E8FBD3234}" v="3" dt="2022-11-24T09:41:26.500"/>
   </p1510:revLst>
 </p1510:revInfo>
+</file>
+
+<file path=ppt/changesInfos/changesInfo1.xml><?xml version="1.0" encoding="utf-8"?>
+<pc:chgInfo xmlns:a="http://schemas.openxmlformats.org/drawingml/2006/main" xmlns:r="http://schemas.openxmlformats.org/officeDocument/2006/relationships" xmlns:ac="http://schemas.microsoft.com/office/drawing/2013/main/command" xmlns:pc="http://schemas.microsoft.com/office/powerpoint/2013/main/command">
+  <pc:docChgLst>
+    <pc:chgData name="Nguyen, Duy Khanh" userId="c9ef0288-a8b5-4458-a044-d3439465b174" providerId="ADAL" clId="{3D316324-F6BD-4223-A8AF-69B36DC1A540}"/>
+    <pc:docChg chg="addSld modSld modSection">
+      <pc:chgData name="Nguyen, Duy Khanh" userId="c9ef0288-a8b5-4458-a044-d3439465b174" providerId="ADAL" clId="{3D316324-F6BD-4223-A8AF-69B36DC1A540}" dt="2022-11-24T18:05:58.487" v="34" actId="1076"/>
+      <pc:docMkLst>
+        <pc:docMk/>
+      </pc:docMkLst>
+      <pc:sldChg chg="modSp mod">
+        <pc:chgData name="Nguyen, Duy Khanh" userId="c9ef0288-a8b5-4458-a044-d3439465b174" providerId="ADAL" clId="{3D316324-F6BD-4223-A8AF-69B36DC1A540}" dt="2022-11-24T18:02:47.880" v="18" actId="20577"/>
+        <pc:sldMkLst>
+          <pc:docMk/>
+          <pc:sldMk cId="214173085" sldId="323"/>
+        </pc:sldMkLst>
+        <pc:graphicFrameChg chg="modGraphic">
+          <ac:chgData name="Nguyen, Duy Khanh" userId="c9ef0288-a8b5-4458-a044-d3439465b174" providerId="ADAL" clId="{3D316324-F6BD-4223-A8AF-69B36DC1A540}" dt="2022-11-24T18:02:47.880" v="18" actId="20577"/>
+          <ac:graphicFrameMkLst>
+            <pc:docMk/>
+            <pc:sldMk cId="214173085" sldId="323"/>
+            <ac:graphicFrameMk id="3" creationId="{376EB8C1-C98C-D304-0500-5296478BF406}"/>
+          </ac:graphicFrameMkLst>
+        </pc:graphicFrameChg>
+      </pc:sldChg>
+      <pc:sldChg chg="addSp modSp new mod">
+        <pc:chgData name="Nguyen, Duy Khanh" userId="c9ef0288-a8b5-4458-a044-d3439465b174" providerId="ADAL" clId="{3D316324-F6BD-4223-A8AF-69B36DC1A540}" dt="2022-11-24T18:05:58.487" v="34" actId="1076"/>
+        <pc:sldMkLst>
+          <pc:docMk/>
+          <pc:sldMk cId="991596099" sldId="336"/>
+        </pc:sldMkLst>
+        <pc:spChg chg="mod">
+          <ac:chgData name="Nguyen, Duy Khanh" userId="c9ef0288-a8b5-4458-a044-d3439465b174" providerId="ADAL" clId="{3D316324-F6BD-4223-A8AF-69B36DC1A540}" dt="2022-11-24T18:05:52.832" v="33" actId="1076"/>
+          <ac:spMkLst>
+            <pc:docMk/>
+            <pc:sldMk cId="991596099" sldId="336"/>
+            <ac:spMk id="2" creationId="{D41A4B2F-A490-35AE-85D3-E35A5C4A92F7}"/>
+          </ac:spMkLst>
+        </pc:spChg>
+        <pc:picChg chg="add mod">
+          <ac:chgData name="Nguyen, Duy Khanh" userId="c9ef0288-a8b5-4458-a044-d3439465b174" providerId="ADAL" clId="{3D316324-F6BD-4223-A8AF-69B36DC1A540}" dt="2022-11-24T18:05:58.487" v="34" actId="1076"/>
+          <ac:picMkLst>
+            <pc:docMk/>
+            <pc:sldMk cId="991596099" sldId="336"/>
+            <ac:picMk id="4" creationId="{B0C462EB-66D0-3C8A-7068-0C553FF37AEA}"/>
+          </ac:picMkLst>
+        </pc:picChg>
+      </pc:sldChg>
+    </pc:docChg>
+  </pc:docChgLst>
+</pc:chgInfo>
 </file>
 
 <file path=ppt/notesMasters/notesMaster1.xml><?xml version="1.0" encoding="utf-8"?>
@@ -29159,13 +29232,13 @@
   <p:clrMapOvr>
     <a:masterClrMapping/>
   </p:clrMapOvr>
-  <mc:AlternateContent xmlns:mc="http://schemas.openxmlformats.org/markup-compatibility/2006">
-    <mc:Choice xmlns:p159="http://schemas.microsoft.com/office/powerpoint/2015/09/main" Requires="p159">
+  <mc:AlternateContent xmlns:mc="http://schemas.openxmlformats.org/markup-compatibility/2006" xmlns:p159="http://schemas.microsoft.com/office/powerpoint/2015/09/main">
+    <mc:Choice Requires="p159">
       <p:transition xmlns:p14="http://schemas.microsoft.com/office/powerpoint/2010/main" spd="slow" p14:dur="2000">
         <p159:morph option="byObject"/>
       </p:transition>
     </mc:Choice>
-    <mc:Fallback>
+    <mc:Fallback xmlns="">
       <p:transition spd="slow">
         <p:fade/>
       </p:transition>
@@ -30064,13 +30137,13 @@
   <p:clrMapOvr>
     <a:masterClrMapping/>
   </p:clrMapOvr>
-  <mc:AlternateContent xmlns:mc="http://schemas.openxmlformats.org/markup-compatibility/2006">
-    <mc:Choice xmlns:p159="http://schemas.microsoft.com/office/powerpoint/2015/09/main" Requires="p159">
+  <mc:AlternateContent xmlns:mc="http://schemas.openxmlformats.org/markup-compatibility/2006" xmlns:p159="http://schemas.microsoft.com/office/powerpoint/2015/09/main">
+    <mc:Choice Requires="p159">
       <p:transition xmlns:p14="http://schemas.microsoft.com/office/powerpoint/2010/main" spd="slow" p14:dur="2000">
         <p159:morph option="byObject"/>
       </p:transition>
     </mc:Choice>
-    <mc:Fallback>
+    <mc:Fallback xmlns="">
       <p:transition spd="slow">
         <p:fade/>
       </p:transition>
@@ -30904,13 +30977,13 @@
   <p:clrMapOvr>
     <a:masterClrMapping/>
   </p:clrMapOvr>
-  <mc:AlternateContent xmlns:mc="http://schemas.openxmlformats.org/markup-compatibility/2006">
-    <mc:Choice xmlns:p159="http://schemas.microsoft.com/office/powerpoint/2015/09/main" Requires="p159">
+  <mc:AlternateContent xmlns:mc="http://schemas.openxmlformats.org/markup-compatibility/2006" xmlns:p159="http://schemas.microsoft.com/office/powerpoint/2015/09/main">
+    <mc:Choice Requires="p159">
       <p:transition xmlns:p14="http://schemas.microsoft.com/office/powerpoint/2010/main" spd="slow" p14:dur="2000">
         <p159:morph option="byObject"/>
       </p:transition>
     </mc:Choice>
-    <mc:Fallback>
+    <mc:Fallback xmlns="">
       <p:transition spd="slow">
         <p:fade/>
       </p:transition>
@@ -32009,13 +32082,13 @@
   <p:clrMapOvr>
     <a:masterClrMapping/>
   </p:clrMapOvr>
-  <mc:AlternateContent xmlns:mc="http://schemas.openxmlformats.org/markup-compatibility/2006">
-    <mc:Choice xmlns:p159="http://schemas.microsoft.com/office/powerpoint/2015/09/main" Requires="p159">
+  <mc:AlternateContent xmlns:mc="http://schemas.openxmlformats.org/markup-compatibility/2006" xmlns:p159="http://schemas.microsoft.com/office/powerpoint/2015/09/main">
+    <mc:Choice Requires="p159">
       <p:transition xmlns:p14="http://schemas.microsoft.com/office/powerpoint/2010/main" spd="slow" p14:dur="2000">
         <p159:morph option="byObject"/>
       </p:transition>
     </mc:Choice>
-    <mc:Fallback>
+    <mc:Fallback xmlns="">
       <p:transition spd="slow">
         <p:fade/>
       </p:transition>
@@ -32163,13 +32236,13 @@
   <p:clrMapOvr>
     <a:masterClrMapping/>
   </p:clrMapOvr>
-  <mc:AlternateContent xmlns:mc="http://schemas.openxmlformats.org/markup-compatibility/2006">
-    <mc:Choice xmlns:p159="http://schemas.microsoft.com/office/powerpoint/2015/09/main" Requires="p159">
+  <mc:AlternateContent xmlns:mc="http://schemas.openxmlformats.org/markup-compatibility/2006" xmlns:p159="http://schemas.microsoft.com/office/powerpoint/2015/09/main">
+    <mc:Choice Requires="p159">
       <p:transition xmlns:p14="http://schemas.microsoft.com/office/powerpoint/2010/main" spd="slow" p14:dur="2000">
         <p159:morph option="byObject"/>
       </p:transition>
     </mc:Choice>
-    <mc:Fallback>
+    <mc:Fallback xmlns="">
       <p:transition spd="slow">
         <p:fade/>
       </p:transition>
@@ -32297,13 +32370,13 @@
   <p:clrMapOvr>
     <a:masterClrMapping/>
   </p:clrMapOvr>
-  <mc:AlternateContent xmlns:mc="http://schemas.openxmlformats.org/markup-compatibility/2006">
-    <mc:Choice xmlns:p159="http://schemas.microsoft.com/office/powerpoint/2015/09/main" Requires="p159">
+  <mc:AlternateContent xmlns:mc="http://schemas.openxmlformats.org/markup-compatibility/2006" xmlns:p159="http://schemas.microsoft.com/office/powerpoint/2015/09/main">
+    <mc:Choice Requires="p159">
       <p:transition xmlns:p14="http://schemas.microsoft.com/office/powerpoint/2010/main" spd="slow" p14:dur="2000">
         <p159:morph option="byObject"/>
       </p:transition>
     </mc:Choice>
-    <mc:Fallback>
+    <mc:Fallback xmlns="">
       <p:transition spd="slow">
         <p:fade/>
       </p:transition>
@@ -32436,13 +32509,13 @@
   <p:clrMapOvr>
     <a:masterClrMapping/>
   </p:clrMapOvr>
-  <mc:AlternateContent xmlns:mc="http://schemas.openxmlformats.org/markup-compatibility/2006">
-    <mc:Choice xmlns:p159="http://schemas.microsoft.com/office/powerpoint/2015/09/main" Requires="p159">
+  <mc:AlternateContent xmlns:mc="http://schemas.openxmlformats.org/markup-compatibility/2006" xmlns:p159="http://schemas.microsoft.com/office/powerpoint/2015/09/main">
+    <mc:Choice Requires="p159">
       <p:transition xmlns:p14="http://schemas.microsoft.com/office/powerpoint/2010/main" spd="slow" p14:dur="2000">
         <p159:morph option="byObject"/>
       </p:transition>
     </mc:Choice>
-    <mc:Fallback>
+    <mc:Fallback xmlns="">
       <p:transition spd="slow">
         <p:fade/>
       </p:transition>
@@ -32575,13 +32648,13 @@
   <p:clrMapOvr>
     <a:masterClrMapping/>
   </p:clrMapOvr>
-  <mc:AlternateContent xmlns:mc="http://schemas.openxmlformats.org/markup-compatibility/2006">
-    <mc:Choice xmlns:p159="http://schemas.microsoft.com/office/powerpoint/2015/09/main" Requires="p159">
+  <mc:AlternateContent xmlns:mc="http://schemas.openxmlformats.org/markup-compatibility/2006" xmlns:p159="http://schemas.microsoft.com/office/powerpoint/2015/09/main">
+    <mc:Choice Requires="p159">
       <p:transition xmlns:p14="http://schemas.microsoft.com/office/powerpoint/2010/main" spd="slow" p14:dur="2000">
         <p159:morph option="byObject"/>
       </p:transition>
     </mc:Choice>
-    <mc:Fallback>
+    <mc:Fallback xmlns="">
       <p:transition spd="slow">
         <p:fade/>
       </p:transition>
@@ -33553,13 +33626,13 @@
   <p:clrMapOvr>
     <a:masterClrMapping/>
   </p:clrMapOvr>
-  <mc:AlternateContent xmlns:mc="http://schemas.openxmlformats.org/markup-compatibility/2006">
-    <mc:Choice xmlns:p159="http://schemas.microsoft.com/office/powerpoint/2015/09/main" Requires="p159">
+  <mc:AlternateContent xmlns:mc="http://schemas.openxmlformats.org/markup-compatibility/2006" xmlns:p159="http://schemas.microsoft.com/office/powerpoint/2015/09/main">
+    <mc:Choice Requires="p159">
       <p:transition xmlns:p14="http://schemas.microsoft.com/office/powerpoint/2010/main" spd="slow" p14:dur="2000">
         <p159:morph option="byObject"/>
       </p:transition>
     </mc:Choice>
-    <mc:Fallback>
+    <mc:Fallback xmlns="">
       <p:transition spd="slow">
         <p:fade/>
       </p:transition>
@@ -34337,13 +34410,13 @@
   <p:clrMapOvr>
     <a:masterClrMapping/>
   </p:clrMapOvr>
-  <mc:AlternateContent xmlns:mc="http://schemas.openxmlformats.org/markup-compatibility/2006">
-    <mc:Choice xmlns:p159="http://schemas.microsoft.com/office/powerpoint/2015/09/main" Requires="p159">
+  <mc:AlternateContent xmlns:mc="http://schemas.openxmlformats.org/markup-compatibility/2006" xmlns:p159="http://schemas.microsoft.com/office/powerpoint/2015/09/main">
+    <mc:Choice Requires="p159">
       <p:transition xmlns:p14="http://schemas.microsoft.com/office/powerpoint/2010/main" spd="slow" p14:dur="2000">
         <p159:morph option="byObject"/>
       </p:transition>
     </mc:Choice>
-    <mc:Fallback>
+    <mc:Fallback xmlns="">
       <p:transition spd="slow">
         <p:fade/>
       </p:transition>
@@ -34357,7 +34430,7 @@
   <p:cSld>
     <p:spTree>
       <p:nvGrpSpPr>
-        <p:cNvPr id="1" name="Shape 1341"/>
+        <p:cNvPr id="1" name=""/>
         <p:cNvGrpSpPr/>
         <p:nvPr/>
       </p:nvGrpSpPr>
@@ -34371,48 +34444,14 @@
       </p:grpSpPr>
       <p:sp>
         <p:nvSpPr>
-          <p:cNvPr id="1342" name="Google Shape;1342;p47"/>
-          <p:cNvSpPr/>
-          <p:nvPr/>
-        </p:nvSpPr>
-        <p:spPr>
-          <a:xfrm>
-            <a:off x="862375" y="1573047"/>
-            <a:ext cx="1006500" cy="1006500"/>
-          </a:xfrm>
-          <a:prstGeom prst="ellipse">
-            <a:avLst/>
-          </a:prstGeom>
-          <a:solidFill>
-            <a:schemeClr val="lt1"/>
-          </a:solidFill>
-          <a:ln>
-            <a:noFill/>
-          </a:ln>
-        </p:spPr>
-        <p:txBody>
-          <a:bodyPr spcFirstLastPara="1" wrap="square" lIns="91425" tIns="91425" rIns="91425" bIns="91425" anchor="ctr" anchorCtr="0">
-            <a:noAutofit/>
-          </a:bodyPr>
-          <a:lstStyle/>
-          <a:p>
-            <a:pPr marL="0" lvl="0" indent="0" algn="l" rtl="0">
-              <a:spcBef>
-                <a:spcPts val="0"/>
-              </a:spcBef>
-              <a:spcAft>
-                <a:spcPts val="0"/>
-              </a:spcAft>
-              <a:buNone/>
-            </a:pPr>
-            <a:endParaRPr/>
-          </a:p>
-        </p:txBody>
-      </p:sp>
-      <p:sp>
-        <p:nvSpPr>
-          <p:cNvPr id="1343" name="Google Shape;1343;p47"/>
-          <p:cNvSpPr txBox="1">
+          <p:cNvPr id="2" name="Title 1">
+            <a:extLst>
+              <a:ext uri="{FF2B5EF4-FFF2-40B4-BE49-F238E27FC236}">
+                <a16:creationId xmlns:a16="http://schemas.microsoft.com/office/drawing/2014/main" id="{D41A4B2F-A490-35AE-85D3-E35A5C4A92F7}"/>
+              </a:ext>
+            </a:extLst>
+          </p:cNvPr>
+          <p:cNvSpPr>
             <a:spLocks noGrp="1"/>
           </p:cNvSpPr>
           <p:nvPr>
@@ -34421,890 +34460,56 @@
         </p:nvSpPr>
         <p:spPr>
           <a:xfrm>
-            <a:off x="498574" y="3299426"/>
-            <a:ext cx="5672876" cy="857400"/>
+            <a:off x="720000" y="315942"/>
+            <a:ext cx="7704000" cy="477600"/>
+          </a:xfrm>
+        </p:spPr>
+        <p:txBody>
+          <a:bodyPr/>
+          <a:lstStyle/>
+          <a:p>
+            <a:r>
+              <a:rPr lang="en-US" dirty="0"/>
+              <a:t>Clean Data</a:t>
+            </a:r>
+            <a:endParaRPr lang="en-CA" dirty="0"/>
+          </a:p>
+        </p:txBody>
+      </p:sp>
+      <p:pic>
+        <p:nvPicPr>
+          <p:cNvPr id="4" name="Picture 3">
+            <a:extLst>
+              <a:ext uri="{FF2B5EF4-FFF2-40B4-BE49-F238E27FC236}">
+                <a16:creationId xmlns:a16="http://schemas.microsoft.com/office/drawing/2014/main" id="{B0C462EB-66D0-3C8A-7068-0C553FF37AEA}"/>
+              </a:ext>
+            </a:extLst>
+          </p:cNvPr>
+          <p:cNvPicPr>
+            <a:picLocks noChangeAspect="1"/>
+          </p:cNvPicPr>
+          <p:nvPr/>
+        </p:nvPicPr>
+        <p:blipFill>
+          <a:blip r:embed="rId2"/>
+          <a:stretch>
+            <a:fillRect/>
+          </a:stretch>
+        </p:blipFill>
+        <p:spPr>
+          <a:xfrm>
+            <a:off x="125039" y="1128947"/>
+            <a:ext cx="8893922" cy="3641009"/>
           </a:xfrm>
           <a:prstGeom prst="rect">
             <a:avLst/>
           </a:prstGeom>
         </p:spPr>
-        <p:txBody>
-          <a:bodyPr spcFirstLastPara="1" wrap="square" lIns="91425" tIns="91425" rIns="91425" bIns="91425" anchor="b" anchorCtr="0">
-            <a:noAutofit/>
-          </a:bodyPr>
-          <a:lstStyle/>
-          <a:p>
-            <a:pPr marL="0" lvl="0" indent="0" algn="l" rtl="0">
-              <a:spcBef>
-                <a:spcPts val="0"/>
-              </a:spcBef>
-              <a:spcAft>
-                <a:spcPts val="0"/>
-              </a:spcAft>
-              <a:buNone/>
-            </a:pPr>
-            <a:r>
-              <a:rPr lang="en"/>
-              <a:t>Classification Models</a:t>
-            </a:r>
-            <a:endParaRPr/>
-          </a:p>
-        </p:txBody>
-      </p:sp>
-      <p:sp>
-        <p:nvSpPr>
-          <p:cNvPr id="1345" name="Google Shape;1345;p47"/>
-          <p:cNvSpPr txBox="1">
-            <a:spLocks noGrp="1"/>
-          </p:cNvSpPr>
-          <p:nvPr>
-            <p:ph type="title" idx="2"/>
-          </p:nvPr>
-        </p:nvSpPr>
-        <p:spPr>
-          <a:xfrm>
-            <a:off x="834925" y="1716447"/>
-            <a:ext cx="1061400" cy="719700"/>
-          </a:xfrm>
-          <a:prstGeom prst="rect">
-            <a:avLst/>
-          </a:prstGeom>
-        </p:spPr>
-        <p:txBody>
-          <a:bodyPr spcFirstLastPara="1" wrap="square" lIns="91425" tIns="91425" rIns="91425" bIns="91425" anchor="ctr" anchorCtr="0">
-            <a:noAutofit/>
-          </a:bodyPr>
-          <a:lstStyle/>
-          <a:p>
-            <a:pPr marL="0" lvl="0" indent="0" algn="ctr" rtl="0">
-              <a:spcBef>
-                <a:spcPts val="0"/>
-              </a:spcBef>
-              <a:spcAft>
-                <a:spcPts val="0"/>
-              </a:spcAft>
-              <a:buNone/>
-            </a:pPr>
-            <a:r>
-              <a:rPr lang="en"/>
-              <a:t>05</a:t>
-            </a:r>
-            <a:endParaRPr/>
-          </a:p>
-        </p:txBody>
-      </p:sp>
-      <p:sp>
-        <p:nvSpPr>
-          <p:cNvPr id="1346" name="Google Shape;1346;p47"/>
-          <p:cNvSpPr/>
-          <p:nvPr/>
-        </p:nvSpPr>
-        <p:spPr>
-          <a:xfrm>
-            <a:off x="7951675" y="1110125"/>
-            <a:ext cx="119100" cy="119100"/>
-          </a:xfrm>
-          <a:prstGeom prst="ellipse">
-            <a:avLst/>
-          </a:prstGeom>
-          <a:solidFill>
-            <a:schemeClr val="lt1"/>
-          </a:solidFill>
-          <a:ln>
-            <a:noFill/>
-          </a:ln>
-        </p:spPr>
-        <p:txBody>
-          <a:bodyPr spcFirstLastPara="1" wrap="square" lIns="91425" tIns="91425" rIns="91425" bIns="91425" anchor="ctr" anchorCtr="0">
-            <a:noAutofit/>
-          </a:bodyPr>
-          <a:lstStyle/>
-          <a:p>
-            <a:pPr marL="0" lvl="0" indent="0" algn="l" rtl="0">
-              <a:spcBef>
-                <a:spcPts val="0"/>
-              </a:spcBef>
-              <a:spcAft>
-                <a:spcPts val="0"/>
-              </a:spcAft>
-              <a:buNone/>
-            </a:pPr>
-            <a:endParaRPr/>
-          </a:p>
-        </p:txBody>
-      </p:sp>
-      <p:sp>
-        <p:nvSpPr>
-          <p:cNvPr id="1347" name="Google Shape;1347;p47"/>
-          <p:cNvSpPr/>
-          <p:nvPr/>
-        </p:nvSpPr>
-        <p:spPr>
-          <a:xfrm>
-            <a:off x="6781875" y="4200350"/>
-            <a:ext cx="144000" cy="144000"/>
-          </a:xfrm>
-          <a:prstGeom prst="ellipse">
-            <a:avLst/>
-          </a:prstGeom>
-          <a:solidFill>
-            <a:schemeClr val="lt1"/>
-          </a:solidFill>
-          <a:ln>
-            <a:noFill/>
-          </a:ln>
-        </p:spPr>
-        <p:txBody>
-          <a:bodyPr spcFirstLastPara="1" wrap="square" lIns="91425" tIns="91425" rIns="91425" bIns="91425" anchor="ctr" anchorCtr="0">
-            <a:noAutofit/>
-          </a:bodyPr>
-          <a:lstStyle/>
-          <a:p>
-            <a:pPr marL="0" lvl="0" indent="0" algn="l" rtl="0">
-              <a:spcBef>
-                <a:spcPts val="0"/>
-              </a:spcBef>
-              <a:spcAft>
-                <a:spcPts val="0"/>
-              </a:spcAft>
-              <a:buNone/>
-            </a:pPr>
-            <a:endParaRPr/>
-          </a:p>
-        </p:txBody>
-      </p:sp>
-      <p:sp>
-        <p:nvSpPr>
-          <p:cNvPr id="1348" name="Google Shape;1348;p47"/>
-          <p:cNvSpPr/>
-          <p:nvPr/>
-        </p:nvSpPr>
-        <p:spPr>
-          <a:xfrm>
-            <a:off x="7936225" y="2543575"/>
-            <a:ext cx="150000" cy="150000"/>
-          </a:xfrm>
-          <a:prstGeom prst="ellipse">
-            <a:avLst/>
-          </a:prstGeom>
-          <a:noFill/>
-          <a:ln w="9525" cap="flat" cmpd="sng">
-            <a:solidFill>
-              <a:schemeClr val="lt2"/>
-            </a:solidFill>
-            <a:prstDash val="solid"/>
-            <a:round/>
-            <a:headEnd type="none" w="sm" len="sm"/>
-            <a:tailEnd type="none" w="sm" len="sm"/>
-          </a:ln>
-        </p:spPr>
-        <p:txBody>
-          <a:bodyPr spcFirstLastPara="1" wrap="square" lIns="91425" tIns="91425" rIns="91425" bIns="91425" anchor="ctr" anchorCtr="0">
-            <a:noAutofit/>
-          </a:bodyPr>
-          <a:lstStyle/>
-          <a:p>
-            <a:pPr marL="0" lvl="0" indent="0" algn="l" rtl="0">
-              <a:spcBef>
-                <a:spcPts val="0"/>
-              </a:spcBef>
-              <a:spcAft>
-                <a:spcPts val="0"/>
-              </a:spcAft>
-              <a:buNone/>
-            </a:pPr>
-            <a:endParaRPr/>
-          </a:p>
-        </p:txBody>
-      </p:sp>
-      <p:sp>
-        <p:nvSpPr>
-          <p:cNvPr id="1349" name="Google Shape;1349;p47"/>
-          <p:cNvSpPr/>
-          <p:nvPr/>
-        </p:nvSpPr>
-        <p:spPr>
-          <a:xfrm>
-            <a:off x="2769800" y="1524700"/>
-            <a:ext cx="144300" cy="144300"/>
-          </a:xfrm>
-          <a:prstGeom prst="ellipse">
-            <a:avLst/>
-          </a:prstGeom>
-          <a:solidFill>
-            <a:schemeClr val="lt2"/>
-          </a:solidFill>
-          <a:ln>
-            <a:noFill/>
-          </a:ln>
-        </p:spPr>
-        <p:txBody>
-          <a:bodyPr spcFirstLastPara="1" wrap="square" lIns="91425" tIns="91425" rIns="91425" bIns="91425" anchor="ctr" anchorCtr="0">
-            <a:noAutofit/>
-          </a:bodyPr>
-          <a:lstStyle/>
-          <a:p>
-            <a:pPr marL="0" lvl="0" indent="0" algn="l" rtl="0">
-              <a:spcBef>
-                <a:spcPts val="0"/>
-              </a:spcBef>
-              <a:spcAft>
-                <a:spcPts val="0"/>
-              </a:spcAft>
-              <a:buNone/>
-            </a:pPr>
-            <a:endParaRPr/>
-          </a:p>
-        </p:txBody>
-      </p:sp>
-      <p:sp>
-        <p:nvSpPr>
-          <p:cNvPr id="1350" name="Google Shape;1350;p47"/>
-          <p:cNvSpPr/>
-          <p:nvPr/>
-        </p:nvSpPr>
-        <p:spPr>
-          <a:xfrm>
-            <a:off x="6812325" y="4472175"/>
-            <a:ext cx="83100" cy="83100"/>
-          </a:xfrm>
-          <a:prstGeom prst="ellipse">
-            <a:avLst/>
-          </a:prstGeom>
-          <a:solidFill>
-            <a:schemeClr val="lt1"/>
-          </a:solidFill>
-          <a:ln>
-            <a:noFill/>
-          </a:ln>
-        </p:spPr>
-        <p:txBody>
-          <a:bodyPr spcFirstLastPara="1" wrap="square" lIns="91425" tIns="91425" rIns="91425" bIns="91425" anchor="ctr" anchorCtr="0">
-            <a:noAutofit/>
-          </a:bodyPr>
-          <a:lstStyle/>
-          <a:p>
-            <a:pPr marL="0" lvl="0" indent="0" algn="l" rtl="0">
-              <a:spcBef>
-                <a:spcPts val="0"/>
-              </a:spcBef>
-              <a:spcAft>
-                <a:spcPts val="0"/>
-              </a:spcAft>
-              <a:buNone/>
-            </a:pPr>
-            <a:endParaRPr/>
-          </a:p>
-        </p:txBody>
-      </p:sp>
-      <p:sp>
-        <p:nvSpPr>
-          <p:cNvPr id="1351" name="Google Shape;1351;p47"/>
-          <p:cNvSpPr/>
-          <p:nvPr/>
-        </p:nvSpPr>
-        <p:spPr>
-          <a:xfrm>
-            <a:off x="5457850" y="2596175"/>
-            <a:ext cx="144300" cy="144600"/>
-          </a:xfrm>
-          <a:prstGeom prst="ellipse">
-            <a:avLst/>
-          </a:prstGeom>
-          <a:solidFill>
-            <a:schemeClr val="accent1"/>
-          </a:solidFill>
-          <a:ln>
-            <a:noFill/>
-          </a:ln>
-        </p:spPr>
-        <p:txBody>
-          <a:bodyPr spcFirstLastPara="1" wrap="square" lIns="91425" tIns="91425" rIns="91425" bIns="91425" anchor="ctr" anchorCtr="0">
-            <a:noAutofit/>
-          </a:bodyPr>
-          <a:lstStyle/>
-          <a:p>
-            <a:pPr marL="0" lvl="0" indent="0" algn="l" rtl="0">
-              <a:spcBef>
-                <a:spcPts val="0"/>
-              </a:spcBef>
-              <a:spcAft>
-                <a:spcPts val="0"/>
-              </a:spcAft>
-              <a:buNone/>
-            </a:pPr>
-            <a:endParaRPr/>
-          </a:p>
-        </p:txBody>
-      </p:sp>
-      <p:sp>
-        <p:nvSpPr>
-          <p:cNvPr id="1352" name="Google Shape;1352;p47"/>
-          <p:cNvSpPr/>
-          <p:nvPr/>
-        </p:nvSpPr>
-        <p:spPr>
-          <a:xfrm>
-            <a:off x="2800250" y="1782575"/>
-            <a:ext cx="83400" cy="83400"/>
-          </a:xfrm>
-          <a:prstGeom prst="ellipse">
-            <a:avLst/>
-          </a:prstGeom>
-          <a:solidFill>
-            <a:schemeClr val="lt2"/>
-          </a:solidFill>
-          <a:ln>
-            <a:noFill/>
-          </a:ln>
-        </p:spPr>
-        <p:txBody>
-          <a:bodyPr spcFirstLastPara="1" wrap="square" lIns="91425" tIns="91425" rIns="91425" bIns="91425" anchor="ctr" anchorCtr="0">
-            <a:noAutofit/>
-          </a:bodyPr>
-          <a:lstStyle/>
-          <a:p>
-            <a:pPr marL="0" lvl="0" indent="0" algn="l" rtl="0">
-              <a:spcBef>
-                <a:spcPts val="0"/>
-              </a:spcBef>
-              <a:spcAft>
-                <a:spcPts val="0"/>
-              </a:spcAft>
-              <a:buNone/>
-            </a:pPr>
-            <a:endParaRPr/>
-          </a:p>
-        </p:txBody>
-      </p:sp>
-      <p:sp>
-        <p:nvSpPr>
-          <p:cNvPr id="1353" name="Google Shape;1353;p47"/>
-          <p:cNvSpPr/>
-          <p:nvPr/>
-        </p:nvSpPr>
-        <p:spPr>
-          <a:xfrm>
-            <a:off x="7939025" y="838525"/>
-            <a:ext cx="144300" cy="144300"/>
-          </a:xfrm>
-          <a:prstGeom prst="ellipse">
-            <a:avLst/>
-          </a:prstGeom>
-          <a:solidFill>
-            <a:schemeClr val="lt1"/>
-          </a:solidFill>
-          <a:ln>
-            <a:noFill/>
-          </a:ln>
-        </p:spPr>
-        <p:txBody>
-          <a:bodyPr spcFirstLastPara="1" wrap="square" lIns="91425" tIns="91425" rIns="91425" bIns="91425" anchor="ctr" anchorCtr="0">
-            <a:noAutofit/>
-          </a:bodyPr>
-          <a:lstStyle/>
-          <a:p>
-            <a:pPr marL="0" lvl="0" indent="0" algn="l" rtl="0">
-              <a:spcBef>
-                <a:spcPts val="0"/>
-              </a:spcBef>
-              <a:spcAft>
-                <a:spcPts val="0"/>
-              </a:spcAft>
-              <a:buNone/>
-            </a:pPr>
-            <a:endParaRPr/>
-          </a:p>
-        </p:txBody>
-      </p:sp>
-      <p:sp>
-        <p:nvSpPr>
-          <p:cNvPr id="1354" name="Google Shape;1354;p47"/>
-          <p:cNvSpPr/>
-          <p:nvPr/>
-        </p:nvSpPr>
-        <p:spPr>
-          <a:xfrm>
-            <a:off x="4469404" y="1264650"/>
-            <a:ext cx="102600" cy="102600"/>
-          </a:xfrm>
-          <a:prstGeom prst="ellipse">
-            <a:avLst/>
-          </a:prstGeom>
-          <a:noFill/>
-          <a:ln w="9525" cap="flat" cmpd="sng">
-            <a:solidFill>
-              <a:schemeClr val="lt1"/>
-            </a:solidFill>
-            <a:prstDash val="solid"/>
-            <a:round/>
-            <a:headEnd type="none" w="sm" len="sm"/>
-            <a:tailEnd type="none" w="sm" len="sm"/>
-          </a:ln>
-        </p:spPr>
-        <p:txBody>
-          <a:bodyPr spcFirstLastPara="1" wrap="square" lIns="91425" tIns="91425" rIns="91425" bIns="91425" anchor="ctr" anchorCtr="0">
-            <a:noAutofit/>
-          </a:bodyPr>
-          <a:lstStyle/>
-          <a:p>
-            <a:pPr marL="0" lvl="0" indent="0" algn="l" rtl="0">
-              <a:spcBef>
-                <a:spcPts val="0"/>
-              </a:spcBef>
-              <a:spcAft>
-                <a:spcPts val="0"/>
-              </a:spcAft>
-              <a:buNone/>
-            </a:pPr>
-            <a:endParaRPr/>
-          </a:p>
-        </p:txBody>
-      </p:sp>
-      <p:sp>
-        <p:nvSpPr>
-          <p:cNvPr id="1355" name="Google Shape;1355;p47"/>
-          <p:cNvSpPr/>
-          <p:nvPr/>
-        </p:nvSpPr>
-        <p:spPr>
-          <a:xfrm flipH="1">
-            <a:off x="7769275" y="3982413"/>
-            <a:ext cx="83100" cy="83100"/>
-          </a:xfrm>
-          <a:prstGeom prst="diamond">
-            <a:avLst/>
-          </a:prstGeom>
-          <a:noFill/>
-          <a:ln w="9525" cap="flat" cmpd="sng">
-            <a:solidFill>
-              <a:srgbClr val="DB25E1"/>
-            </a:solidFill>
-            <a:prstDash val="solid"/>
-            <a:round/>
-            <a:headEnd type="none" w="sm" len="sm"/>
-            <a:tailEnd type="none" w="sm" len="sm"/>
-          </a:ln>
-        </p:spPr>
-        <p:txBody>
-          <a:bodyPr spcFirstLastPara="1" wrap="square" lIns="91425" tIns="91425" rIns="91425" bIns="91425" anchor="ctr" anchorCtr="0">
-            <a:noAutofit/>
-          </a:bodyPr>
-          <a:lstStyle/>
-          <a:p>
-            <a:pPr marL="0" lvl="0" indent="0" algn="l" rtl="0">
-              <a:spcBef>
-                <a:spcPts val="0"/>
-              </a:spcBef>
-              <a:spcAft>
-                <a:spcPts val="0"/>
-              </a:spcAft>
-              <a:buNone/>
-            </a:pPr>
-            <a:endParaRPr/>
-          </a:p>
-        </p:txBody>
-      </p:sp>
-      <p:sp>
-        <p:nvSpPr>
-          <p:cNvPr id="1356" name="Google Shape;1356;p47"/>
-          <p:cNvSpPr/>
-          <p:nvPr/>
-        </p:nvSpPr>
-        <p:spPr>
-          <a:xfrm flipH="1">
-            <a:off x="7710025" y="4171538"/>
-            <a:ext cx="201600" cy="201600"/>
-          </a:xfrm>
-          <a:prstGeom prst="diamond">
-            <a:avLst/>
-          </a:prstGeom>
-          <a:noFill/>
-          <a:ln w="9525" cap="flat" cmpd="sng">
-            <a:solidFill>
-              <a:srgbClr val="DB25E1"/>
-            </a:solidFill>
-            <a:prstDash val="solid"/>
-            <a:round/>
-            <a:headEnd type="none" w="sm" len="sm"/>
-            <a:tailEnd type="none" w="sm" len="sm"/>
-          </a:ln>
-        </p:spPr>
-        <p:txBody>
-          <a:bodyPr spcFirstLastPara="1" wrap="square" lIns="91425" tIns="91425" rIns="91425" bIns="91425" anchor="ctr" anchorCtr="0">
-            <a:noAutofit/>
-          </a:bodyPr>
-          <a:lstStyle/>
-          <a:p>
-            <a:pPr marL="0" lvl="0" indent="0" algn="l" rtl="0">
-              <a:spcBef>
-                <a:spcPts val="0"/>
-              </a:spcBef>
-              <a:spcAft>
-                <a:spcPts val="0"/>
-              </a:spcAft>
-              <a:buNone/>
-            </a:pPr>
-            <a:endParaRPr/>
-          </a:p>
-        </p:txBody>
-      </p:sp>
-      <p:cxnSp>
-        <p:nvCxnSpPr>
-          <p:cNvPr id="1357" name="Google Shape;1357;p47"/>
-          <p:cNvCxnSpPr/>
-          <p:nvPr/>
-        </p:nvCxnSpPr>
-        <p:spPr>
-          <a:xfrm rot="10800000">
-            <a:off x="8232475" y="3394125"/>
-            <a:ext cx="0" cy="438000"/>
-          </a:xfrm>
-          <a:prstGeom prst="straightConnector1">
-            <a:avLst/>
-          </a:prstGeom>
-          <a:noFill/>
-          <a:ln w="9525" cap="flat" cmpd="sng">
-            <a:solidFill>
-              <a:schemeClr val="accent3"/>
-            </a:solidFill>
-            <a:prstDash val="dot"/>
-            <a:round/>
-            <a:headEnd type="none" w="med" len="med"/>
-            <a:tailEnd type="none" w="med" len="med"/>
-          </a:ln>
-        </p:spPr>
-      </p:cxnSp>
-      <p:sp>
-        <p:nvSpPr>
-          <p:cNvPr id="1358" name="Google Shape;1358;p47"/>
-          <p:cNvSpPr/>
-          <p:nvPr/>
-        </p:nvSpPr>
-        <p:spPr>
-          <a:xfrm>
-            <a:off x="3410300" y="719425"/>
-            <a:ext cx="86100" cy="86100"/>
-          </a:xfrm>
-          <a:prstGeom prst="ellipse">
-            <a:avLst/>
-          </a:prstGeom>
-          <a:solidFill>
-            <a:schemeClr val="accent1"/>
-          </a:solidFill>
-          <a:ln>
-            <a:noFill/>
-          </a:ln>
-        </p:spPr>
-        <p:txBody>
-          <a:bodyPr spcFirstLastPara="1" wrap="square" lIns="91425" tIns="91425" rIns="91425" bIns="91425" anchor="ctr" anchorCtr="0">
-            <a:noAutofit/>
-          </a:bodyPr>
-          <a:lstStyle/>
-          <a:p>
-            <a:pPr marL="0" lvl="0" indent="0" algn="l" rtl="0">
-              <a:spcBef>
-                <a:spcPts val="0"/>
-              </a:spcBef>
-              <a:spcAft>
-                <a:spcPts val="0"/>
-              </a:spcAft>
-              <a:buNone/>
-            </a:pPr>
-            <a:endParaRPr/>
-          </a:p>
-        </p:txBody>
-      </p:sp>
-      <p:cxnSp>
-        <p:nvCxnSpPr>
-          <p:cNvPr id="1359" name="Google Shape;1359;p47"/>
-          <p:cNvCxnSpPr/>
-          <p:nvPr/>
-        </p:nvCxnSpPr>
-        <p:spPr>
-          <a:xfrm rot="10800000">
-            <a:off x="5530050" y="1367250"/>
-            <a:ext cx="0" cy="1084500"/>
-          </a:xfrm>
-          <a:prstGeom prst="straightConnector1">
-            <a:avLst/>
-          </a:prstGeom>
-          <a:noFill/>
-          <a:ln w="9525" cap="flat" cmpd="sng">
-            <a:solidFill>
-              <a:schemeClr val="accent3"/>
-            </a:solidFill>
-            <a:prstDash val="dot"/>
-            <a:round/>
-            <a:headEnd type="none" w="med" len="med"/>
-            <a:tailEnd type="none" w="med" len="med"/>
-          </a:ln>
-        </p:spPr>
-      </p:cxnSp>
-      <p:sp>
-        <p:nvSpPr>
-          <p:cNvPr id="1360" name="Google Shape;1360;p47"/>
-          <p:cNvSpPr/>
-          <p:nvPr/>
-        </p:nvSpPr>
-        <p:spPr>
-          <a:xfrm>
-            <a:off x="5496350" y="2866200"/>
-            <a:ext cx="67200" cy="67500"/>
-          </a:xfrm>
-          <a:prstGeom prst="ellipse">
-            <a:avLst/>
-          </a:prstGeom>
-          <a:solidFill>
-            <a:schemeClr val="accent1"/>
-          </a:solidFill>
-          <a:ln>
-            <a:noFill/>
-          </a:ln>
-        </p:spPr>
-        <p:txBody>
-          <a:bodyPr spcFirstLastPara="1" wrap="square" lIns="91425" tIns="91425" rIns="91425" bIns="91425" anchor="ctr" anchorCtr="0">
-            <a:noAutofit/>
-          </a:bodyPr>
-          <a:lstStyle/>
-          <a:p>
-            <a:pPr marL="0" lvl="0" indent="0" algn="l" rtl="0">
-              <a:spcBef>
-                <a:spcPts val="0"/>
-              </a:spcBef>
-              <a:spcAft>
-                <a:spcPts val="0"/>
-              </a:spcAft>
-              <a:buNone/>
-            </a:pPr>
-            <a:endParaRPr/>
-          </a:p>
-        </p:txBody>
-      </p:sp>
-      <p:cxnSp>
-        <p:nvCxnSpPr>
-          <p:cNvPr id="1361" name="Google Shape;1361;p47"/>
-          <p:cNvCxnSpPr/>
-          <p:nvPr/>
-        </p:nvCxnSpPr>
-        <p:spPr>
-          <a:xfrm rot="10800000">
-            <a:off x="6853875" y="3129950"/>
-            <a:ext cx="0" cy="915300"/>
-          </a:xfrm>
-          <a:prstGeom prst="straightConnector1">
-            <a:avLst/>
-          </a:prstGeom>
-          <a:noFill/>
-          <a:ln w="9525" cap="flat" cmpd="sng">
-            <a:solidFill>
-              <a:schemeClr val="accent3"/>
-            </a:solidFill>
-            <a:prstDash val="dot"/>
-            <a:round/>
-            <a:headEnd type="none" w="med" len="med"/>
-            <a:tailEnd type="none" w="med" len="med"/>
-          </a:ln>
-        </p:spPr>
-      </p:cxnSp>
-      <p:sp>
-        <p:nvSpPr>
-          <p:cNvPr id="1362" name="Google Shape;1362;p47"/>
-          <p:cNvSpPr/>
-          <p:nvPr/>
-        </p:nvSpPr>
-        <p:spPr>
-          <a:xfrm>
-            <a:off x="7185725" y="1628600"/>
-            <a:ext cx="144000" cy="144000"/>
-          </a:xfrm>
-          <a:prstGeom prst="ellipse">
-            <a:avLst/>
-          </a:prstGeom>
-          <a:solidFill>
-            <a:schemeClr val="accent1"/>
-          </a:solidFill>
-          <a:ln>
-            <a:noFill/>
-          </a:ln>
-        </p:spPr>
-        <p:txBody>
-          <a:bodyPr spcFirstLastPara="1" wrap="square" lIns="91425" tIns="91425" rIns="91425" bIns="91425" anchor="ctr" anchorCtr="0">
-            <a:noAutofit/>
-          </a:bodyPr>
-          <a:lstStyle/>
-          <a:p>
-            <a:pPr marL="0" lvl="0" indent="0" algn="l" rtl="0">
-              <a:spcBef>
-                <a:spcPts val="0"/>
-              </a:spcBef>
-              <a:spcAft>
-                <a:spcPts val="0"/>
-              </a:spcAft>
-              <a:buNone/>
-            </a:pPr>
-            <a:endParaRPr/>
-          </a:p>
-        </p:txBody>
-      </p:sp>
-      <p:sp>
-        <p:nvSpPr>
-          <p:cNvPr id="1363" name="Google Shape;1363;p47"/>
-          <p:cNvSpPr/>
-          <p:nvPr/>
-        </p:nvSpPr>
-        <p:spPr>
-          <a:xfrm>
-            <a:off x="7216175" y="1813850"/>
-            <a:ext cx="83100" cy="83100"/>
-          </a:xfrm>
-          <a:prstGeom prst="ellipse">
-            <a:avLst/>
-          </a:prstGeom>
-          <a:solidFill>
-            <a:schemeClr val="accent1"/>
-          </a:solidFill>
-          <a:ln>
-            <a:noFill/>
-          </a:ln>
-        </p:spPr>
-        <p:txBody>
-          <a:bodyPr spcFirstLastPara="1" wrap="square" lIns="91425" tIns="91425" rIns="91425" bIns="91425" anchor="ctr" anchorCtr="0">
-            <a:noAutofit/>
-          </a:bodyPr>
-          <a:lstStyle/>
-          <a:p>
-            <a:pPr marL="0" lvl="0" indent="0" algn="l" rtl="0">
-              <a:spcBef>
-                <a:spcPts val="0"/>
-              </a:spcBef>
-              <a:spcAft>
-                <a:spcPts val="0"/>
-              </a:spcAft>
-              <a:buNone/>
-            </a:pPr>
-            <a:endParaRPr/>
-          </a:p>
-        </p:txBody>
-      </p:sp>
-      <p:cxnSp>
-        <p:nvCxnSpPr>
-          <p:cNvPr id="1364" name="Google Shape;1364;p47"/>
-          <p:cNvCxnSpPr/>
-          <p:nvPr/>
-        </p:nvCxnSpPr>
-        <p:spPr>
-          <a:xfrm rot="10800000">
-            <a:off x="7257725" y="616075"/>
-            <a:ext cx="0" cy="915300"/>
-          </a:xfrm>
-          <a:prstGeom prst="straightConnector1">
-            <a:avLst/>
-          </a:prstGeom>
-          <a:noFill/>
-          <a:ln w="9525" cap="flat" cmpd="sng">
-            <a:solidFill>
-              <a:schemeClr val="accent3"/>
-            </a:solidFill>
-            <a:prstDash val="dot"/>
-            <a:round/>
-            <a:headEnd type="none" w="med" len="med"/>
-            <a:tailEnd type="none" w="med" len="med"/>
-          </a:ln>
-        </p:spPr>
-      </p:cxnSp>
-      <p:sp>
-        <p:nvSpPr>
-          <p:cNvPr id="1365" name="Google Shape;1365;p47"/>
-          <p:cNvSpPr/>
-          <p:nvPr/>
-        </p:nvSpPr>
-        <p:spPr>
-          <a:xfrm flipH="1">
-            <a:off x="3663175" y="4209938"/>
-            <a:ext cx="83100" cy="83100"/>
-          </a:xfrm>
-          <a:prstGeom prst="diamond">
-            <a:avLst/>
-          </a:prstGeom>
-          <a:noFill/>
-          <a:ln w="9525" cap="flat" cmpd="sng">
-            <a:solidFill>
-              <a:schemeClr val="lt1"/>
-            </a:solidFill>
-            <a:prstDash val="solid"/>
-            <a:round/>
-            <a:headEnd type="none" w="sm" len="sm"/>
-            <a:tailEnd type="none" w="sm" len="sm"/>
-          </a:ln>
-        </p:spPr>
-        <p:txBody>
-          <a:bodyPr spcFirstLastPara="1" wrap="square" lIns="91425" tIns="91425" rIns="91425" bIns="91425" anchor="ctr" anchorCtr="0">
-            <a:noAutofit/>
-          </a:bodyPr>
-          <a:lstStyle/>
-          <a:p>
-            <a:pPr marL="0" lvl="0" indent="0" algn="l" rtl="0">
-              <a:spcBef>
-                <a:spcPts val="0"/>
-              </a:spcBef>
-              <a:spcAft>
-                <a:spcPts val="0"/>
-              </a:spcAft>
-              <a:buNone/>
-            </a:pPr>
-            <a:endParaRPr/>
-          </a:p>
-        </p:txBody>
-      </p:sp>
-      <p:sp>
-        <p:nvSpPr>
-          <p:cNvPr id="1366" name="Google Shape;1366;p47"/>
-          <p:cNvSpPr/>
-          <p:nvPr/>
-        </p:nvSpPr>
-        <p:spPr>
-          <a:xfrm flipH="1">
-            <a:off x="6070650" y="610900"/>
-            <a:ext cx="201600" cy="201600"/>
-          </a:xfrm>
-          <a:prstGeom prst="diamond">
-            <a:avLst/>
-          </a:prstGeom>
-          <a:noFill/>
-          <a:ln w="9525" cap="flat" cmpd="sng">
-            <a:solidFill>
-              <a:schemeClr val="lt1"/>
-            </a:solidFill>
-            <a:prstDash val="solid"/>
-            <a:round/>
-            <a:headEnd type="none" w="sm" len="sm"/>
-            <a:tailEnd type="none" w="sm" len="sm"/>
-          </a:ln>
-        </p:spPr>
-        <p:txBody>
-          <a:bodyPr spcFirstLastPara="1" wrap="square" lIns="91425" tIns="91425" rIns="91425" bIns="91425" anchor="ctr" anchorCtr="0">
-            <a:noAutofit/>
-          </a:bodyPr>
-          <a:lstStyle/>
-          <a:p>
-            <a:pPr marL="0" lvl="0" indent="0" algn="l" rtl="0">
-              <a:spcBef>
-                <a:spcPts val="0"/>
-              </a:spcBef>
-              <a:spcAft>
-                <a:spcPts val="0"/>
-              </a:spcAft>
-              <a:buNone/>
-            </a:pPr>
-            <a:endParaRPr/>
-          </a:p>
-        </p:txBody>
-      </p:sp>
+      </p:pic>
     </p:spTree>
     <p:extLst>
       <p:ext uri="{BB962C8B-B14F-4D97-AF65-F5344CB8AC3E}">
-        <p14:creationId xmlns:p14="http://schemas.microsoft.com/office/powerpoint/2010/main" val="1427735673"/>
+        <p14:creationId xmlns:p14="http://schemas.microsoft.com/office/powerpoint/2010/main" val="991596099"/>
       </p:ext>
     </p:extLst>
   </p:cSld>
@@ -36262,13 +35467,13 @@
   <p:clrMapOvr>
     <a:masterClrMapping/>
   </p:clrMapOvr>
-  <mc:AlternateContent xmlns:mc="http://schemas.openxmlformats.org/markup-compatibility/2006">
-    <mc:Choice xmlns:p159="http://schemas.microsoft.com/office/powerpoint/2015/09/main" Requires="p159">
+  <mc:AlternateContent xmlns:mc="http://schemas.openxmlformats.org/markup-compatibility/2006" xmlns:p159="http://schemas.microsoft.com/office/powerpoint/2015/09/main">
+    <mc:Choice Requires="p159">
       <p:transition xmlns:p14="http://schemas.microsoft.com/office/powerpoint/2010/main" spd="slow" p14:dur="2000">
         <p159:morph option="byObject"/>
       </p:transition>
     </mc:Choice>
-    <mc:Fallback>
+    <mc:Fallback xmlns="">
       <p:transition spd="slow">
         <p:fade/>
       </p:transition>
@@ -36868,6 +36073,980 @@
   <p:cSld>
     <p:spTree>
       <p:nvGrpSpPr>
+        <p:cNvPr id="1" name="Shape 1341"/>
+        <p:cNvGrpSpPr/>
+        <p:nvPr/>
+      </p:nvGrpSpPr>
+      <p:grpSpPr>
+        <a:xfrm>
+          <a:off x="0" y="0"/>
+          <a:ext cx="0" cy="0"/>
+          <a:chOff x="0" y="0"/>
+          <a:chExt cx="0" cy="0"/>
+        </a:xfrm>
+      </p:grpSpPr>
+      <p:sp>
+        <p:nvSpPr>
+          <p:cNvPr id="1342" name="Google Shape;1342;p47"/>
+          <p:cNvSpPr/>
+          <p:nvPr/>
+        </p:nvSpPr>
+        <p:spPr>
+          <a:xfrm>
+            <a:off x="862375" y="1573047"/>
+            <a:ext cx="1006500" cy="1006500"/>
+          </a:xfrm>
+          <a:prstGeom prst="ellipse">
+            <a:avLst/>
+          </a:prstGeom>
+          <a:solidFill>
+            <a:schemeClr val="lt1"/>
+          </a:solidFill>
+          <a:ln>
+            <a:noFill/>
+          </a:ln>
+        </p:spPr>
+        <p:txBody>
+          <a:bodyPr spcFirstLastPara="1" wrap="square" lIns="91425" tIns="91425" rIns="91425" bIns="91425" anchor="ctr" anchorCtr="0">
+            <a:noAutofit/>
+          </a:bodyPr>
+          <a:lstStyle/>
+          <a:p>
+            <a:pPr marL="0" lvl="0" indent="0" algn="l" rtl="0">
+              <a:spcBef>
+                <a:spcPts val="0"/>
+              </a:spcBef>
+              <a:spcAft>
+                <a:spcPts val="0"/>
+              </a:spcAft>
+              <a:buNone/>
+            </a:pPr>
+            <a:endParaRPr/>
+          </a:p>
+        </p:txBody>
+      </p:sp>
+      <p:sp>
+        <p:nvSpPr>
+          <p:cNvPr id="1343" name="Google Shape;1343;p47"/>
+          <p:cNvSpPr txBox="1">
+            <a:spLocks noGrp="1"/>
+          </p:cNvSpPr>
+          <p:nvPr>
+            <p:ph type="title"/>
+          </p:nvPr>
+        </p:nvSpPr>
+        <p:spPr>
+          <a:xfrm>
+            <a:off x="498574" y="3299426"/>
+            <a:ext cx="5672876" cy="857400"/>
+          </a:xfrm>
+          <a:prstGeom prst="rect">
+            <a:avLst/>
+          </a:prstGeom>
+        </p:spPr>
+        <p:txBody>
+          <a:bodyPr spcFirstLastPara="1" wrap="square" lIns="91425" tIns="91425" rIns="91425" bIns="91425" anchor="b" anchorCtr="0">
+            <a:noAutofit/>
+          </a:bodyPr>
+          <a:lstStyle/>
+          <a:p>
+            <a:pPr marL="0" lvl="0" indent="0" algn="l" rtl="0">
+              <a:spcBef>
+                <a:spcPts val="0"/>
+              </a:spcBef>
+              <a:spcAft>
+                <a:spcPts val="0"/>
+              </a:spcAft>
+              <a:buNone/>
+            </a:pPr>
+            <a:r>
+              <a:rPr lang="en"/>
+              <a:t>Classification Models</a:t>
+            </a:r>
+            <a:endParaRPr/>
+          </a:p>
+        </p:txBody>
+      </p:sp>
+      <p:sp>
+        <p:nvSpPr>
+          <p:cNvPr id="1345" name="Google Shape;1345;p47"/>
+          <p:cNvSpPr txBox="1">
+            <a:spLocks noGrp="1"/>
+          </p:cNvSpPr>
+          <p:nvPr>
+            <p:ph type="title" idx="2"/>
+          </p:nvPr>
+        </p:nvSpPr>
+        <p:spPr>
+          <a:xfrm>
+            <a:off x="834925" y="1716447"/>
+            <a:ext cx="1061400" cy="719700"/>
+          </a:xfrm>
+          <a:prstGeom prst="rect">
+            <a:avLst/>
+          </a:prstGeom>
+        </p:spPr>
+        <p:txBody>
+          <a:bodyPr spcFirstLastPara="1" wrap="square" lIns="91425" tIns="91425" rIns="91425" bIns="91425" anchor="ctr" anchorCtr="0">
+            <a:noAutofit/>
+          </a:bodyPr>
+          <a:lstStyle/>
+          <a:p>
+            <a:pPr marL="0" lvl="0" indent="0" algn="ctr" rtl="0">
+              <a:spcBef>
+                <a:spcPts val="0"/>
+              </a:spcBef>
+              <a:spcAft>
+                <a:spcPts val="0"/>
+              </a:spcAft>
+              <a:buNone/>
+            </a:pPr>
+            <a:r>
+              <a:rPr lang="en"/>
+              <a:t>05</a:t>
+            </a:r>
+            <a:endParaRPr/>
+          </a:p>
+        </p:txBody>
+      </p:sp>
+      <p:sp>
+        <p:nvSpPr>
+          <p:cNvPr id="1346" name="Google Shape;1346;p47"/>
+          <p:cNvSpPr/>
+          <p:nvPr/>
+        </p:nvSpPr>
+        <p:spPr>
+          <a:xfrm>
+            <a:off x="7951675" y="1110125"/>
+            <a:ext cx="119100" cy="119100"/>
+          </a:xfrm>
+          <a:prstGeom prst="ellipse">
+            <a:avLst/>
+          </a:prstGeom>
+          <a:solidFill>
+            <a:schemeClr val="lt1"/>
+          </a:solidFill>
+          <a:ln>
+            <a:noFill/>
+          </a:ln>
+        </p:spPr>
+        <p:txBody>
+          <a:bodyPr spcFirstLastPara="1" wrap="square" lIns="91425" tIns="91425" rIns="91425" bIns="91425" anchor="ctr" anchorCtr="0">
+            <a:noAutofit/>
+          </a:bodyPr>
+          <a:lstStyle/>
+          <a:p>
+            <a:pPr marL="0" lvl="0" indent="0" algn="l" rtl="0">
+              <a:spcBef>
+                <a:spcPts val="0"/>
+              </a:spcBef>
+              <a:spcAft>
+                <a:spcPts val="0"/>
+              </a:spcAft>
+              <a:buNone/>
+            </a:pPr>
+            <a:endParaRPr/>
+          </a:p>
+        </p:txBody>
+      </p:sp>
+      <p:sp>
+        <p:nvSpPr>
+          <p:cNvPr id="1347" name="Google Shape;1347;p47"/>
+          <p:cNvSpPr/>
+          <p:nvPr/>
+        </p:nvSpPr>
+        <p:spPr>
+          <a:xfrm>
+            <a:off x="6781875" y="4200350"/>
+            <a:ext cx="144000" cy="144000"/>
+          </a:xfrm>
+          <a:prstGeom prst="ellipse">
+            <a:avLst/>
+          </a:prstGeom>
+          <a:solidFill>
+            <a:schemeClr val="lt1"/>
+          </a:solidFill>
+          <a:ln>
+            <a:noFill/>
+          </a:ln>
+        </p:spPr>
+        <p:txBody>
+          <a:bodyPr spcFirstLastPara="1" wrap="square" lIns="91425" tIns="91425" rIns="91425" bIns="91425" anchor="ctr" anchorCtr="0">
+            <a:noAutofit/>
+          </a:bodyPr>
+          <a:lstStyle/>
+          <a:p>
+            <a:pPr marL="0" lvl="0" indent="0" algn="l" rtl="0">
+              <a:spcBef>
+                <a:spcPts val="0"/>
+              </a:spcBef>
+              <a:spcAft>
+                <a:spcPts val="0"/>
+              </a:spcAft>
+              <a:buNone/>
+            </a:pPr>
+            <a:endParaRPr/>
+          </a:p>
+        </p:txBody>
+      </p:sp>
+      <p:sp>
+        <p:nvSpPr>
+          <p:cNvPr id="1348" name="Google Shape;1348;p47"/>
+          <p:cNvSpPr/>
+          <p:nvPr/>
+        </p:nvSpPr>
+        <p:spPr>
+          <a:xfrm>
+            <a:off x="7936225" y="2543575"/>
+            <a:ext cx="150000" cy="150000"/>
+          </a:xfrm>
+          <a:prstGeom prst="ellipse">
+            <a:avLst/>
+          </a:prstGeom>
+          <a:noFill/>
+          <a:ln w="9525" cap="flat" cmpd="sng">
+            <a:solidFill>
+              <a:schemeClr val="lt2"/>
+            </a:solidFill>
+            <a:prstDash val="solid"/>
+            <a:round/>
+            <a:headEnd type="none" w="sm" len="sm"/>
+            <a:tailEnd type="none" w="sm" len="sm"/>
+          </a:ln>
+        </p:spPr>
+        <p:txBody>
+          <a:bodyPr spcFirstLastPara="1" wrap="square" lIns="91425" tIns="91425" rIns="91425" bIns="91425" anchor="ctr" anchorCtr="0">
+            <a:noAutofit/>
+          </a:bodyPr>
+          <a:lstStyle/>
+          <a:p>
+            <a:pPr marL="0" lvl="0" indent="0" algn="l" rtl="0">
+              <a:spcBef>
+                <a:spcPts val="0"/>
+              </a:spcBef>
+              <a:spcAft>
+                <a:spcPts val="0"/>
+              </a:spcAft>
+              <a:buNone/>
+            </a:pPr>
+            <a:endParaRPr/>
+          </a:p>
+        </p:txBody>
+      </p:sp>
+      <p:sp>
+        <p:nvSpPr>
+          <p:cNvPr id="1349" name="Google Shape;1349;p47"/>
+          <p:cNvSpPr/>
+          <p:nvPr/>
+        </p:nvSpPr>
+        <p:spPr>
+          <a:xfrm>
+            <a:off x="2769800" y="1524700"/>
+            <a:ext cx="144300" cy="144300"/>
+          </a:xfrm>
+          <a:prstGeom prst="ellipse">
+            <a:avLst/>
+          </a:prstGeom>
+          <a:solidFill>
+            <a:schemeClr val="lt2"/>
+          </a:solidFill>
+          <a:ln>
+            <a:noFill/>
+          </a:ln>
+        </p:spPr>
+        <p:txBody>
+          <a:bodyPr spcFirstLastPara="1" wrap="square" lIns="91425" tIns="91425" rIns="91425" bIns="91425" anchor="ctr" anchorCtr="0">
+            <a:noAutofit/>
+          </a:bodyPr>
+          <a:lstStyle/>
+          <a:p>
+            <a:pPr marL="0" lvl="0" indent="0" algn="l" rtl="0">
+              <a:spcBef>
+                <a:spcPts val="0"/>
+              </a:spcBef>
+              <a:spcAft>
+                <a:spcPts val="0"/>
+              </a:spcAft>
+              <a:buNone/>
+            </a:pPr>
+            <a:endParaRPr/>
+          </a:p>
+        </p:txBody>
+      </p:sp>
+      <p:sp>
+        <p:nvSpPr>
+          <p:cNvPr id="1350" name="Google Shape;1350;p47"/>
+          <p:cNvSpPr/>
+          <p:nvPr/>
+        </p:nvSpPr>
+        <p:spPr>
+          <a:xfrm>
+            <a:off x="6812325" y="4472175"/>
+            <a:ext cx="83100" cy="83100"/>
+          </a:xfrm>
+          <a:prstGeom prst="ellipse">
+            <a:avLst/>
+          </a:prstGeom>
+          <a:solidFill>
+            <a:schemeClr val="lt1"/>
+          </a:solidFill>
+          <a:ln>
+            <a:noFill/>
+          </a:ln>
+        </p:spPr>
+        <p:txBody>
+          <a:bodyPr spcFirstLastPara="1" wrap="square" lIns="91425" tIns="91425" rIns="91425" bIns="91425" anchor="ctr" anchorCtr="0">
+            <a:noAutofit/>
+          </a:bodyPr>
+          <a:lstStyle/>
+          <a:p>
+            <a:pPr marL="0" lvl="0" indent="0" algn="l" rtl="0">
+              <a:spcBef>
+                <a:spcPts val="0"/>
+              </a:spcBef>
+              <a:spcAft>
+                <a:spcPts val="0"/>
+              </a:spcAft>
+              <a:buNone/>
+            </a:pPr>
+            <a:endParaRPr/>
+          </a:p>
+        </p:txBody>
+      </p:sp>
+      <p:sp>
+        <p:nvSpPr>
+          <p:cNvPr id="1351" name="Google Shape;1351;p47"/>
+          <p:cNvSpPr/>
+          <p:nvPr/>
+        </p:nvSpPr>
+        <p:spPr>
+          <a:xfrm>
+            <a:off x="5457850" y="2596175"/>
+            <a:ext cx="144300" cy="144600"/>
+          </a:xfrm>
+          <a:prstGeom prst="ellipse">
+            <a:avLst/>
+          </a:prstGeom>
+          <a:solidFill>
+            <a:schemeClr val="accent1"/>
+          </a:solidFill>
+          <a:ln>
+            <a:noFill/>
+          </a:ln>
+        </p:spPr>
+        <p:txBody>
+          <a:bodyPr spcFirstLastPara="1" wrap="square" lIns="91425" tIns="91425" rIns="91425" bIns="91425" anchor="ctr" anchorCtr="0">
+            <a:noAutofit/>
+          </a:bodyPr>
+          <a:lstStyle/>
+          <a:p>
+            <a:pPr marL="0" lvl="0" indent="0" algn="l" rtl="0">
+              <a:spcBef>
+                <a:spcPts val="0"/>
+              </a:spcBef>
+              <a:spcAft>
+                <a:spcPts val="0"/>
+              </a:spcAft>
+              <a:buNone/>
+            </a:pPr>
+            <a:endParaRPr/>
+          </a:p>
+        </p:txBody>
+      </p:sp>
+      <p:sp>
+        <p:nvSpPr>
+          <p:cNvPr id="1352" name="Google Shape;1352;p47"/>
+          <p:cNvSpPr/>
+          <p:nvPr/>
+        </p:nvSpPr>
+        <p:spPr>
+          <a:xfrm>
+            <a:off x="2800250" y="1782575"/>
+            <a:ext cx="83400" cy="83400"/>
+          </a:xfrm>
+          <a:prstGeom prst="ellipse">
+            <a:avLst/>
+          </a:prstGeom>
+          <a:solidFill>
+            <a:schemeClr val="lt2"/>
+          </a:solidFill>
+          <a:ln>
+            <a:noFill/>
+          </a:ln>
+        </p:spPr>
+        <p:txBody>
+          <a:bodyPr spcFirstLastPara="1" wrap="square" lIns="91425" tIns="91425" rIns="91425" bIns="91425" anchor="ctr" anchorCtr="0">
+            <a:noAutofit/>
+          </a:bodyPr>
+          <a:lstStyle/>
+          <a:p>
+            <a:pPr marL="0" lvl="0" indent="0" algn="l" rtl="0">
+              <a:spcBef>
+                <a:spcPts val="0"/>
+              </a:spcBef>
+              <a:spcAft>
+                <a:spcPts val="0"/>
+              </a:spcAft>
+              <a:buNone/>
+            </a:pPr>
+            <a:endParaRPr/>
+          </a:p>
+        </p:txBody>
+      </p:sp>
+      <p:sp>
+        <p:nvSpPr>
+          <p:cNvPr id="1353" name="Google Shape;1353;p47"/>
+          <p:cNvSpPr/>
+          <p:nvPr/>
+        </p:nvSpPr>
+        <p:spPr>
+          <a:xfrm>
+            <a:off x="7939025" y="838525"/>
+            <a:ext cx="144300" cy="144300"/>
+          </a:xfrm>
+          <a:prstGeom prst="ellipse">
+            <a:avLst/>
+          </a:prstGeom>
+          <a:solidFill>
+            <a:schemeClr val="lt1"/>
+          </a:solidFill>
+          <a:ln>
+            <a:noFill/>
+          </a:ln>
+        </p:spPr>
+        <p:txBody>
+          <a:bodyPr spcFirstLastPara="1" wrap="square" lIns="91425" tIns="91425" rIns="91425" bIns="91425" anchor="ctr" anchorCtr="0">
+            <a:noAutofit/>
+          </a:bodyPr>
+          <a:lstStyle/>
+          <a:p>
+            <a:pPr marL="0" lvl="0" indent="0" algn="l" rtl="0">
+              <a:spcBef>
+                <a:spcPts val="0"/>
+              </a:spcBef>
+              <a:spcAft>
+                <a:spcPts val="0"/>
+              </a:spcAft>
+              <a:buNone/>
+            </a:pPr>
+            <a:endParaRPr/>
+          </a:p>
+        </p:txBody>
+      </p:sp>
+      <p:sp>
+        <p:nvSpPr>
+          <p:cNvPr id="1354" name="Google Shape;1354;p47"/>
+          <p:cNvSpPr/>
+          <p:nvPr/>
+        </p:nvSpPr>
+        <p:spPr>
+          <a:xfrm>
+            <a:off x="4469404" y="1264650"/>
+            <a:ext cx="102600" cy="102600"/>
+          </a:xfrm>
+          <a:prstGeom prst="ellipse">
+            <a:avLst/>
+          </a:prstGeom>
+          <a:noFill/>
+          <a:ln w="9525" cap="flat" cmpd="sng">
+            <a:solidFill>
+              <a:schemeClr val="lt1"/>
+            </a:solidFill>
+            <a:prstDash val="solid"/>
+            <a:round/>
+            <a:headEnd type="none" w="sm" len="sm"/>
+            <a:tailEnd type="none" w="sm" len="sm"/>
+          </a:ln>
+        </p:spPr>
+        <p:txBody>
+          <a:bodyPr spcFirstLastPara="1" wrap="square" lIns="91425" tIns="91425" rIns="91425" bIns="91425" anchor="ctr" anchorCtr="0">
+            <a:noAutofit/>
+          </a:bodyPr>
+          <a:lstStyle/>
+          <a:p>
+            <a:pPr marL="0" lvl="0" indent="0" algn="l" rtl="0">
+              <a:spcBef>
+                <a:spcPts val="0"/>
+              </a:spcBef>
+              <a:spcAft>
+                <a:spcPts val="0"/>
+              </a:spcAft>
+              <a:buNone/>
+            </a:pPr>
+            <a:endParaRPr/>
+          </a:p>
+        </p:txBody>
+      </p:sp>
+      <p:sp>
+        <p:nvSpPr>
+          <p:cNvPr id="1355" name="Google Shape;1355;p47"/>
+          <p:cNvSpPr/>
+          <p:nvPr/>
+        </p:nvSpPr>
+        <p:spPr>
+          <a:xfrm flipH="1">
+            <a:off x="7769275" y="3982413"/>
+            <a:ext cx="83100" cy="83100"/>
+          </a:xfrm>
+          <a:prstGeom prst="diamond">
+            <a:avLst/>
+          </a:prstGeom>
+          <a:noFill/>
+          <a:ln w="9525" cap="flat" cmpd="sng">
+            <a:solidFill>
+              <a:srgbClr val="DB25E1"/>
+            </a:solidFill>
+            <a:prstDash val="solid"/>
+            <a:round/>
+            <a:headEnd type="none" w="sm" len="sm"/>
+            <a:tailEnd type="none" w="sm" len="sm"/>
+          </a:ln>
+        </p:spPr>
+        <p:txBody>
+          <a:bodyPr spcFirstLastPara="1" wrap="square" lIns="91425" tIns="91425" rIns="91425" bIns="91425" anchor="ctr" anchorCtr="0">
+            <a:noAutofit/>
+          </a:bodyPr>
+          <a:lstStyle/>
+          <a:p>
+            <a:pPr marL="0" lvl="0" indent="0" algn="l" rtl="0">
+              <a:spcBef>
+                <a:spcPts val="0"/>
+              </a:spcBef>
+              <a:spcAft>
+                <a:spcPts val="0"/>
+              </a:spcAft>
+              <a:buNone/>
+            </a:pPr>
+            <a:endParaRPr/>
+          </a:p>
+        </p:txBody>
+      </p:sp>
+      <p:sp>
+        <p:nvSpPr>
+          <p:cNvPr id="1356" name="Google Shape;1356;p47"/>
+          <p:cNvSpPr/>
+          <p:nvPr/>
+        </p:nvSpPr>
+        <p:spPr>
+          <a:xfrm flipH="1">
+            <a:off x="7710025" y="4171538"/>
+            <a:ext cx="201600" cy="201600"/>
+          </a:xfrm>
+          <a:prstGeom prst="diamond">
+            <a:avLst/>
+          </a:prstGeom>
+          <a:noFill/>
+          <a:ln w="9525" cap="flat" cmpd="sng">
+            <a:solidFill>
+              <a:srgbClr val="DB25E1"/>
+            </a:solidFill>
+            <a:prstDash val="solid"/>
+            <a:round/>
+            <a:headEnd type="none" w="sm" len="sm"/>
+            <a:tailEnd type="none" w="sm" len="sm"/>
+          </a:ln>
+        </p:spPr>
+        <p:txBody>
+          <a:bodyPr spcFirstLastPara="1" wrap="square" lIns="91425" tIns="91425" rIns="91425" bIns="91425" anchor="ctr" anchorCtr="0">
+            <a:noAutofit/>
+          </a:bodyPr>
+          <a:lstStyle/>
+          <a:p>
+            <a:pPr marL="0" lvl="0" indent="0" algn="l" rtl="0">
+              <a:spcBef>
+                <a:spcPts val="0"/>
+              </a:spcBef>
+              <a:spcAft>
+                <a:spcPts val="0"/>
+              </a:spcAft>
+              <a:buNone/>
+            </a:pPr>
+            <a:endParaRPr/>
+          </a:p>
+        </p:txBody>
+      </p:sp>
+      <p:cxnSp>
+        <p:nvCxnSpPr>
+          <p:cNvPr id="1357" name="Google Shape;1357;p47"/>
+          <p:cNvCxnSpPr/>
+          <p:nvPr/>
+        </p:nvCxnSpPr>
+        <p:spPr>
+          <a:xfrm rot="10800000">
+            <a:off x="8232475" y="3394125"/>
+            <a:ext cx="0" cy="438000"/>
+          </a:xfrm>
+          <a:prstGeom prst="straightConnector1">
+            <a:avLst/>
+          </a:prstGeom>
+          <a:noFill/>
+          <a:ln w="9525" cap="flat" cmpd="sng">
+            <a:solidFill>
+              <a:schemeClr val="accent3"/>
+            </a:solidFill>
+            <a:prstDash val="dot"/>
+            <a:round/>
+            <a:headEnd type="none" w="med" len="med"/>
+            <a:tailEnd type="none" w="med" len="med"/>
+          </a:ln>
+        </p:spPr>
+      </p:cxnSp>
+      <p:sp>
+        <p:nvSpPr>
+          <p:cNvPr id="1358" name="Google Shape;1358;p47"/>
+          <p:cNvSpPr/>
+          <p:nvPr/>
+        </p:nvSpPr>
+        <p:spPr>
+          <a:xfrm>
+            <a:off x="3410300" y="719425"/>
+            <a:ext cx="86100" cy="86100"/>
+          </a:xfrm>
+          <a:prstGeom prst="ellipse">
+            <a:avLst/>
+          </a:prstGeom>
+          <a:solidFill>
+            <a:schemeClr val="accent1"/>
+          </a:solidFill>
+          <a:ln>
+            <a:noFill/>
+          </a:ln>
+        </p:spPr>
+        <p:txBody>
+          <a:bodyPr spcFirstLastPara="1" wrap="square" lIns="91425" tIns="91425" rIns="91425" bIns="91425" anchor="ctr" anchorCtr="0">
+            <a:noAutofit/>
+          </a:bodyPr>
+          <a:lstStyle/>
+          <a:p>
+            <a:pPr marL="0" lvl="0" indent="0" algn="l" rtl="0">
+              <a:spcBef>
+                <a:spcPts val="0"/>
+              </a:spcBef>
+              <a:spcAft>
+                <a:spcPts val="0"/>
+              </a:spcAft>
+              <a:buNone/>
+            </a:pPr>
+            <a:endParaRPr/>
+          </a:p>
+        </p:txBody>
+      </p:sp>
+      <p:cxnSp>
+        <p:nvCxnSpPr>
+          <p:cNvPr id="1359" name="Google Shape;1359;p47"/>
+          <p:cNvCxnSpPr/>
+          <p:nvPr/>
+        </p:nvCxnSpPr>
+        <p:spPr>
+          <a:xfrm rot="10800000">
+            <a:off x="5530050" y="1367250"/>
+            <a:ext cx="0" cy="1084500"/>
+          </a:xfrm>
+          <a:prstGeom prst="straightConnector1">
+            <a:avLst/>
+          </a:prstGeom>
+          <a:noFill/>
+          <a:ln w="9525" cap="flat" cmpd="sng">
+            <a:solidFill>
+              <a:schemeClr val="accent3"/>
+            </a:solidFill>
+            <a:prstDash val="dot"/>
+            <a:round/>
+            <a:headEnd type="none" w="med" len="med"/>
+            <a:tailEnd type="none" w="med" len="med"/>
+          </a:ln>
+        </p:spPr>
+      </p:cxnSp>
+      <p:sp>
+        <p:nvSpPr>
+          <p:cNvPr id="1360" name="Google Shape;1360;p47"/>
+          <p:cNvSpPr/>
+          <p:nvPr/>
+        </p:nvSpPr>
+        <p:spPr>
+          <a:xfrm>
+            <a:off x="5496350" y="2866200"/>
+            <a:ext cx="67200" cy="67500"/>
+          </a:xfrm>
+          <a:prstGeom prst="ellipse">
+            <a:avLst/>
+          </a:prstGeom>
+          <a:solidFill>
+            <a:schemeClr val="accent1"/>
+          </a:solidFill>
+          <a:ln>
+            <a:noFill/>
+          </a:ln>
+        </p:spPr>
+        <p:txBody>
+          <a:bodyPr spcFirstLastPara="1" wrap="square" lIns="91425" tIns="91425" rIns="91425" bIns="91425" anchor="ctr" anchorCtr="0">
+            <a:noAutofit/>
+          </a:bodyPr>
+          <a:lstStyle/>
+          <a:p>
+            <a:pPr marL="0" lvl="0" indent="0" algn="l" rtl="0">
+              <a:spcBef>
+                <a:spcPts val="0"/>
+              </a:spcBef>
+              <a:spcAft>
+                <a:spcPts val="0"/>
+              </a:spcAft>
+              <a:buNone/>
+            </a:pPr>
+            <a:endParaRPr/>
+          </a:p>
+        </p:txBody>
+      </p:sp>
+      <p:cxnSp>
+        <p:nvCxnSpPr>
+          <p:cNvPr id="1361" name="Google Shape;1361;p47"/>
+          <p:cNvCxnSpPr/>
+          <p:nvPr/>
+        </p:nvCxnSpPr>
+        <p:spPr>
+          <a:xfrm rot="10800000">
+            <a:off x="6853875" y="3129950"/>
+            <a:ext cx="0" cy="915300"/>
+          </a:xfrm>
+          <a:prstGeom prst="straightConnector1">
+            <a:avLst/>
+          </a:prstGeom>
+          <a:noFill/>
+          <a:ln w="9525" cap="flat" cmpd="sng">
+            <a:solidFill>
+              <a:schemeClr val="accent3"/>
+            </a:solidFill>
+            <a:prstDash val="dot"/>
+            <a:round/>
+            <a:headEnd type="none" w="med" len="med"/>
+            <a:tailEnd type="none" w="med" len="med"/>
+          </a:ln>
+        </p:spPr>
+      </p:cxnSp>
+      <p:sp>
+        <p:nvSpPr>
+          <p:cNvPr id="1362" name="Google Shape;1362;p47"/>
+          <p:cNvSpPr/>
+          <p:nvPr/>
+        </p:nvSpPr>
+        <p:spPr>
+          <a:xfrm>
+            <a:off x="7185725" y="1628600"/>
+            <a:ext cx="144000" cy="144000"/>
+          </a:xfrm>
+          <a:prstGeom prst="ellipse">
+            <a:avLst/>
+          </a:prstGeom>
+          <a:solidFill>
+            <a:schemeClr val="accent1"/>
+          </a:solidFill>
+          <a:ln>
+            <a:noFill/>
+          </a:ln>
+        </p:spPr>
+        <p:txBody>
+          <a:bodyPr spcFirstLastPara="1" wrap="square" lIns="91425" tIns="91425" rIns="91425" bIns="91425" anchor="ctr" anchorCtr="0">
+            <a:noAutofit/>
+          </a:bodyPr>
+          <a:lstStyle/>
+          <a:p>
+            <a:pPr marL="0" lvl="0" indent="0" algn="l" rtl="0">
+              <a:spcBef>
+                <a:spcPts val="0"/>
+              </a:spcBef>
+              <a:spcAft>
+                <a:spcPts val="0"/>
+              </a:spcAft>
+              <a:buNone/>
+            </a:pPr>
+            <a:endParaRPr/>
+          </a:p>
+        </p:txBody>
+      </p:sp>
+      <p:sp>
+        <p:nvSpPr>
+          <p:cNvPr id="1363" name="Google Shape;1363;p47"/>
+          <p:cNvSpPr/>
+          <p:nvPr/>
+        </p:nvSpPr>
+        <p:spPr>
+          <a:xfrm>
+            <a:off x="7216175" y="1813850"/>
+            <a:ext cx="83100" cy="83100"/>
+          </a:xfrm>
+          <a:prstGeom prst="ellipse">
+            <a:avLst/>
+          </a:prstGeom>
+          <a:solidFill>
+            <a:schemeClr val="accent1"/>
+          </a:solidFill>
+          <a:ln>
+            <a:noFill/>
+          </a:ln>
+        </p:spPr>
+        <p:txBody>
+          <a:bodyPr spcFirstLastPara="1" wrap="square" lIns="91425" tIns="91425" rIns="91425" bIns="91425" anchor="ctr" anchorCtr="0">
+            <a:noAutofit/>
+          </a:bodyPr>
+          <a:lstStyle/>
+          <a:p>
+            <a:pPr marL="0" lvl="0" indent="0" algn="l" rtl="0">
+              <a:spcBef>
+                <a:spcPts val="0"/>
+              </a:spcBef>
+              <a:spcAft>
+                <a:spcPts val="0"/>
+              </a:spcAft>
+              <a:buNone/>
+            </a:pPr>
+            <a:endParaRPr/>
+          </a:p>
+        </p:txBody>
+      </p:sp>
+      <p:cxnSp>
+        <p:nvCxnSpPr>
+          <p:cNvPr id="1364" name="Google Shape;1364;p47"/>
+          <p:cNvCxnSpPr/>
+          <p:nvPr/>
+        </p:nvCxnSpPr>
+        <p:spPr>
+          <a:xfrm rot="10800000">
+            <a:off x="7257725" y="616075"/>
+            <a:ext cx="0" cy="915300"/>
+          </a:xfrm>
+          <a:prstGeom prst="straightConnector1">
+            <a:avLst/>
+          </a:prstGeom>
+          <a:noFill/>
+          <a:ln w="9525" cap="flat" cmpd="sng">
+            <a:solidFill>
+              <a:schemeClr val="accent3"/>
+            </a:solidFill>
+            <a:prstDash val="dot"/>
+            <a:round/>
+            <a:headEnd type="none" w="med" len="med"/>
+            <a:tailEnd type="none" w="med" len="med"/>
+          </a:ln>
+        </p:spPr>
+      </p:cxnSp>
+      <p:sp>
+        <p:nvSpPr>
+          <p:cNvPr id="1365" name="Google Shape;1365;p47"/>
+          <p:cNvSpPr/>
+          <p:nvPr/>
+        </p:nvSpPr>
+        <p:spPr>
+          <a:xfrm flipH="1">
+            <a:off x="3663175" y="4209938"/>
+            <a:ext cx="83100" cy="83100"/>
+          </a:xfrm>
+          <a:prstGeom prst="diamond">
+            <a:avLst/>
+          </a:prstGeom>
+          <a:noFill/>
+          <a:ln w="9525" cap="flat" cmpd="sng">
+            <a:solidFill>
+              <a:schemeClr val="lt1"/>
+            </a:solidFill>
+            <a:prstDash val="solid"/>
+            <a:round/>
+            <a:headEnd type="none" w="sm" len="sm"/>
+            <a:tailEnd type="none" w="sm" len="sm"/>
+          </a:ln>
+        </p:spPr>
+        <p:txBody>
+          <a:bodyPr spcFirstLastPara="1" wrap="square" lIns="91425" tIns="91425" rIns="91425" bIns="91425" anchor="ctr" anchorCtr="0">
+            <a:noAutofit/>
+          </a:bodyPr>
+          <a:lstStyle/>
+          <a:p>
+            <a:pPr marL="0" lvl="0" indent="0" algn="l" rtl="0">
+              <a:spcBef>
+                <a:spcPts val="0"/>
+              </a:spcBef>
+              <a:spcAft>
+                <a:spcPts val="0"/>
+              </a:spcAft>
+              <a:buNone/>
+            </a:pPr>
+            <a:endParaRPr/>
+          </a:p>
+        </p:txBody>
+      </p:sp>
+      <p:sp>
+        <p:nvSpPr>
+          <p:cNvPr id="1366" name="Google Shape;1366;p47"/>
+          <p:cNvSpPr/>
+          <p:nvPr/>
+        </p:nvSpPr>
+        <p:spPr>
+          <a:xfrm flipH="1">
+            <a:off x="6070650" y="610900"/>
+            <a:ext cx="201600" cy="201600"/>
+          </a:xfrm>
+          <a:prstGeom prst="diamond">
+            <a:avLst/>
+          </a:prstGeom>
+          <a:noFill/>
+          <a:ln w="9525" cap="flat" cmpd="sng">
+            <a:solidFill>
+              <a:schemeClr val="lt1"/>
+            </a:solidFill>
+            <a:prstDash val="solid"/>
+            <a:round/>
+            <a:headEnd type="none" w="sm" len="sm"/>
+            <a:tailEnd type="none" w="sm" len="sm"/>
+          </a:ln>
+        </p:spPr>
+        <p:txBody>
+          <a:bodyPr spcFirstLastPara="1" wrap="square" lIns="91425" tIns="91425" rIns="91425" bIns="91425" anchor="ctr" anchorCtr="0">
+            <a:noAutofit/>
+          </a:bodyPr>
+          <a:lstStyle/>
+          <a:p>
+            <a:pPr marL="0" lvl="0" indent="0" algn="l" rtl="0">
+              <a:spcBef>
+                <a:spcPts val="0"/>
+              </a:spcBef>
+              <a:spcAft>
+                <a:spcPts val="0"/>
+              </a:spcAft>
+              <a:buNone/>
+            </a:pPr>
+            <a:endParaRPr/>
+          </a:p>
+        </p:txBody>
+      </p:sp>
+    </p:spTree>
+    <p:extLst>
+      <p:ext uri="{BB962C8B-B14F-4D97-AF65-F5344CB8AC3E}">
+        <p14:creationId xmlns:p14="http://schemas.microsoft.com/office/powerpoint/2010/main" val="1427735673"/>
+      </p:ext>
+    </p:extLst>
+  </p:cSld>
+  <p:clrMapOvr>
+    <a:masterClrMapping/>
+  </p:clrMapOvr>
+  <mc:AlternateContent xmlns:mc="http://schemas.openxmlformats.org/markup-compatibility/2006" xmlns:p159="http://schemas.microsoft.com/office/powerpoint/2015/09/main">
+    <mc:Choice Requires="p159">
+      <p:transition xmlns:p14="http://schemas.microsoft.com/office/powerpoint/2010/main" spd="slow" p14:dur="2000">
+        <p159:morph option="byObject"/>
+      </p:transition>
+    </mc:Choice>
+    <mc:Fallback xmlns="">
+      <p:transition spd="slow">
+        <p:fade/>
+      </p:transition>
+    </mc:Fallback>
+  </mc:AlternateContent>
+</p:sld>
+</file>
+
+<file path=ppt/slides/slide21.xml><?xml version="1.0" encoding="utf-8"?>
+<p:sld xmlns:a="http://schemas.openxmlformats.org/drawingml/2006/main" xmlns:r="http://schemas.openxmlformats.org/officeDocument/2006/relationships" xmlns:p="http://schemas.openxmlformats.org/presentationml/2006/main">
+  <p:cSld>
+    <p:spTree>
+      <p:nvGrpSpPr>
         <p:cNvPr id="1" name=""/>
         <p:cNvGrpSpPr/>
         <p:nvPr/>
@@ -36932,7 +37111,7 @@
           <p:nvPr>
             <p:extLst>
               <p:ext uri="{D42A27DB-BD31-4B8C-83A1-F6EECF244321}">
-                <p14:modId xmlns:p14="http://schemas.microsoft.com/office/powerpoint/2010/main" val="2645457470"/>
+                <p14:modId xmlns:p14="http://schemas.microsoft.com/office/powerpoint/2010/main" val="214611939"/>
               </p:ext>
             </p:extLst>
           </p:nvPr>
@@ -36990,13 +37169,13 @@
                     <a:p>
                       <a:pPr algn="ctr"/>
                       <a:r>
-                        <a:rPr lang="en-CA" b="1" baseline="0">
+                        <a:rPr lang="en-CA" b="1" baseline="0" dirty="0">
                           <a:solidFill>
                             <a:schemeClr val="tx2"/>
                           </a:solidFill>
                           <a:latin typeface="PublicSans"/>
                         </a:rPr>
-                        <a:t>Unsuccessful Classification Models</a:t>
+                        <a:t>Classification Models With Dense Matrix</a:t>
                       </a:r>
                     </a:p>
                   </a:txBody>
@@ -37355,7 +37534,7 @@
                         <a:buChar char="●"/>
                       </a:pPr>
                       <a:r>
-                        <a:rPr lang="en-US">
+                        <a:rPr lang="en-US" dirty="0">
                           <a:solidFill>
                             <a:schemeClr val="bg1"/>
                           </a:solidFill>
@@ -37379,7 +37558,7 @@
                         <a:buChar char="●"/>
                       </a:pPr>
                       <a:r>
-                        <a:rPr lang="en-US">
+                        <a:rPr lang="en-US" dirty="0">
                           <a:solidFill>
                             <a:schemeClr val="bg1"/>
                           </a:solidFill>
@@ -37388,7 +37567,7 @@
                         <a:t>Naïve Bayes (</a:t>
                       </a:r>
                       <a:r>
-                        <a:rPr lang="en-US" err="1">
+                        <a:rPr lang="en-US" dirty="0" err="1">
                           <a:solidFill>
                             <a:schemeClr val="bg1"/>
                           </a:solidFill>
@@ -37397,7 +37576,7 @@
                         <a:t>GaussianNB</a:t>
                       </a:r>
                       <a:r>
-                        <a:rPr lang="en-US">
+                        <a:rPr lang="en-US" dirty="0">
                           <a:solidFill>
                             <a:schemeClr val="bg1"/>
                           </a:solidFill>
@@ -37406,7 +37585,7 @@
                         <a:t> – </a:t>
                       </a:r>
                       <a:r>
-                        <a:rPr lang="en-US" err="1">
+                        <a:rPr lang="en-US" dirty="0" err="1">
                           <a:solidFill>
                             <a:schemeClr val="bg1"/>
                           </a:solidFill>
@@ -37415,7 +37594,7 @@
                         <a:t>var_smoothings</a:t>
                       </a:r>
                       <a:r>
-                        <a:rPr lang="en-US">
+                        <a:rPr lang="en-US" dirty="0">
                           <a:solidFill>
                             <a:schemeClr val="bg1"/>
                           </a:solidFill>
@@ -37423,7 +37602,7 @@
                         </a:rPr>
                         <a:t>)</a:t>
                       </a:r>
-                      <a:endParaRPr lang="en-CA" baseline="0">
+                      <a:endParaRPr lang="en-CA" baseline="0" dirty="0">
                         <a:solidFill>
                           <a:schemeClr val="bg1"/>
                         </a:solidFill>
@@ -37445,7 +37624,7 @@
                         <a:buChar char="●"/>
                       </a:pPr>
                       <a:r>
-                        <a:rPr lang="en-CA" baseline="0" err="1">
+                        <a:rPr lang="en-CA" baseline="0" dirty="0" err="1">
                           <a:solidFill>
                             <a:schemeClr val="bg1"/>
                           </a:solidFill>
@@ -37454,7 +37633,7 @@
                         <a:t>XGBoost</a:t>
                       </a:r>
                       <a:r>
-                        <a:rPr lang="en-CA" baseline="0">
+                        <a:rPr lang="en-CA" baseline="0" dirty="0">
                           <a:solidFill>
                             <a:schemeClr val="bg1"/>
                           </a:solidFill>
@@ -37463,7 +37642,7 @@
                         <a:t> (</a:t>
                       </a:r>
                       <a:r>
-                        <a:rPr lang="en-CA" baseline="0" err="1">
+                        <a:rPr lang="en-CA" baseline="0" dirty="0" err="1">
                           <a:solidFill>
                             <a:schemeClr val="bg1"/>
                           </a:solidFill>
@@ -37472,7 +37651,7 @@
                         <a:t>learning_rates</a:t>
                       </a:r>
                       <a:r>
-                        <a:rPr lang="en-CA" baseline="0">
+                        <a:rPr lang="en-CA" baseline="0" dirty="0">
                           <a:solidFill>
                             <a:schemeClr val="bg1"/>
                           </a:solidFill>
@@ -37481,7 +37660,7 @@
                         <a:t> and </a:t>
                       </a:r>
                       <a:r>
-                        <a:rPr lang="en-CA" baseline="0" err="1">
+                        <a:rPr lang="en-CA" baseline="0" dirty="0" err="1">
                           <a:solidFill>
                             <a:schemeClr val="bg1"/>
                           </a:solidFill>
@@ -37490,7 +37669,7 @@
                         <a:t>n_estimators</a:t>
                       </a:r>
                       <a:r>
-                        <a:rPr lang="en-CA" baseline="0">
+                        <a:rPr lang="en-CA" baseline="0" dirty="0">
                           <a:solidFill>
                             <a:schemeClr val="bg1"/>
                           </a:solidFill>
@@ -37514,7 +37693,7 @@
                         <a:buChar char="●"/>
                       </a:pPr>
                       <a:r>
-                        <a:rPr lang="en-CA" baseline="0" err="1">
+                        <a:rPr lang="en-CA" baseline="0" dirty="0" err="1">
                           <a:solidFill>
                             <a:schemeClr val="bg1"/>
                           </a:solidFill>
@@ -37523,7 +37702,7 @@
                         <a:t>CatBoost</a:t>
                       </a:r>
                       <a:r>
-                        <a:rPr lang="en-CA" baseline="0">
+                        <a:rPr lang="en-CA" baseline="0" dirty="0">
                           <a:solidFill>
                             <a:schemeClr val="bg1"/>
                           </a:solidFill>
@@ -37532,7 +37711,7 @@
                         <a:t> (</a:t>
                       </a:r>
                       <a:r>
-                        <a:rPr lang="en-CA" baseline="0" err="1">
+                        <a:rPr lang="en-CA" baseline="0" dirty="0" err="1">
                           <a:solidFill>
                             <a:schemeClr val="bg1"/>
                           </a:solidFill>
@@ -37541,7 +37720,7 @@
                         <a:t>learning_rates</a:t>
                       </a:r>
                       <a:r>
-                        <a:rPr lang="en-CA" baseline="0">
+                        <a:rPr lang="en-CA" baseline="0" dirty="0">
                           <a:solidFill>
                             <a:schemeClr val="bg1"/>
                           </a:solidFill>
@@ -37551,7 +37730,7 @@
                       </a:r>
                     </a:p>
                     <a:p>
-                      <a:endParaRPr lang="en-CA" b="0" baseline="0">
+                      <a:endParaRPr lang="en-CA" b="0" baseline="0" dirty="0">
                         <a:solidFill>
                           <a:srgbClr val="D4D4D4"/>
                         </a:solidFill>
@@ -37582,13 +37761,13 @@
   <p:clrMapOvr>
     <a:masterClrMapping/>
   </p:clrMapOvr>
-  <mc:AlternateContent xmlns:mc="http://schemas.openxmlformats.org/markup-compatibility/2006">
-    <mc:Choice xmlns:p159="http://schemas.microsoft.com/office/powerpoint/2015/09/main" Requires="p159">
+  <mc:AlternateContent xmlns:mc="http://schemas.openxmlformats.org/markup-compatibility/2006" xmlns:p159="http://schemas.microsoft.com/office/powerpoint/2015/09/main">
+    <mc:Choice Requires="p159">
       <p:transition xmlns:p14="http://schemas.microsoft.com/office/powerpoint/2010/main" spd="slow" p14:dur="2000">
         <p159:morph option="byObject"/>
       </p:transition>
     </mc:Choice>
-    <mc:Fallback>
+    <mc:Fallback xmlns="">
       <p:transition spd="slow">
         <p:fade/>
       </p:transition>
@@ -37597,7 +37776,7 @@
 </p:sld>
 </file>
 
-<file path=ppt/slides/slide21.xml><?xml version="1.0" encoding="utf-8"?>
+<file path=ppt/slides/slide22.xml><?xml version="1.0" encoding="utf-8"?>
 <p:sld xmlns:a="http://schemas.openxmlformats.org/drawingml/2006/main" xmlns:r="http://schemas.openxmlformats.org/officeDocument/2006/relationships" xmlns:p="http://schemas.openxmlformats.org/presentationml/2006/main">
   <p:cSld>
     <p:spTree>
@@ -37721,13 +37900,13 @@
   <p:clrMapOvr>
     <a:masterClrMapping/>
   </p:clrMapOvr>
-  <mc:AlternateContent xmlns:mc="http://schemas.openxmlformats.org/markup-compatibility/2006">
-    <mc:Choice xmlns:p159="http://schemas.microsoft.com/office/powerpoint/2015/09/main" Requires="p159">
+  <mc:AlternateContent xmlns:mc="http://schemas.openxmlformats.org/markup-compatibility/2006" xmlns:p159="http://schemas.microsoft.com/office/powerpoint/2015/09/main">
+    <mc:Choice Requires="p159">
       <p:transition xmlns:p14="http://schemas.microsoft.com/office/powerpoint/2010/main" spd="slow" p14:dur="2000">
         <p159:morph option="byObject"/>
       </p:transition>
     </mc:Choice>
-    <mc:Fallback>
+    <mc:Fallback xmlns="">
       <p:transition spd="slow">
         <p:fade/>
       </p:transition>
@@ -37736,7 +37915,7 @@
 </p:sld>
 </file>
 
-<file path=ppt/slides/slide22.xml><?xml version="1.0" encoding="utf-8"?>
+<file path=ppt/slides/slide23.xml><?xml version="1.0" encoding="utf-8"?>
 <p:sld xmlns:a="http://schemas.openxmlformats.org/drawingml/2006/main" xmlns:r="http://schemas.openxmlformats.org/officeDocument/2006/relationships" xmlns:p="http://schemas.openxmlformats.org/presentationml/2006/main">
   <p:cSld>
     <p:spTree>
@@ -38695,13 +38874,13 @@
   <p:clrMapOvr>
     <a:masterClrMapping/>
   </p:clrMapOvr>
-  <mc:AlternateContent xmlns:mc="http://schemas.openxmlformats.org/markup-compatibility/2006">
-    <mc:Choice xmlns:p159="http://schemas.microsoft.com/office/powerpoint/2015/09/main" Requires="p159">
+  <mc:AlternateContent xmlns:mc="http://schemas.openxmlformats.org/markup-compatibility/2006" xmlns:p159="http://schemas.microsoft.com/office/powerpoint/2015/09/main">
+    <mc:Choice Requires="p159">
       <p:transition xmlns:p14="http://schemas.microsoft.com/office/powerpoint/2010/main" spd="slow" p14:dur="2000">
         <p159:morph option="byObject"/>
       </p:transition>
     </mc:Choice>
-    <mc:Fallback>
+    <mc:Fallback xmlns="">
       <p:transition spd="slow">
         <p:fade/>
       </p:transition>
@@ -38710,7 +38889,7 @@
 </p:sld>
 </file>
 
-<file path=ppt/slides/slide23.xml><?xml version="1.0" encoding="utf-8"?>
+<file path=ppt/slides/slide24.xml><?xml version="1.0" encoding="utf-8"?>
 <p:sld xmlns:a="http://schemas.openxmlformats.org/drawingml/2006/main" xmlns:r="http://schemas.openxmlformats.org/officeDocument/2006/relationships" xmlns:p="http://schemas.openxmlformats.org/presentationml/2006/main">
   <p:cSld>
     <p:spTree>
@@ -38829,13 +39008,13 @@
   <p:clrMapOvr>
     <a:masterClrMapping/>
   </p:clrMapOvr>
-  <mc:AlternateContent xmlns:mc="http://schemas.openxmlformats.org/markup-compatibility/2006">
-    <mc:Choice xmlns:p159="http://schemas.microsoft.com/office/powerpoint/2015/09/main" Requires="p159">
+  <mc:AlternateContent xmlns:mc="http://schemas.openxmlformats.org/markup-compatibility/2006" xmlns:p159="http://schemas.microsoft.com/office/powerpoint/2015/09/main">
+    <mc:Choice Requires="p159">
       <p:transition xmlns:p14="http://schemas.microsoft.com/office/powerpoint/2010/main" spd="slow" p14:dur="2000">
         <p159:morph option="byObject"/>
       </p:transition>
     </mc:Choice>
-    <mc:Fallback>
+    <mc:Fallback xmlns="">
       <p:transition spd="slow">
         <p:fade/>
       </p:transition>
@@ -38844,7 +39023,7 @@
 </p:sld>
 </file>
 
-<file path=ppt/slides/slide24.xml><?xml version="1.0" encoding="utf-8"?>
+<file path=ppt/slides/slide25.xml><?xml version="1.0" encoding="utf-8"?>
 <p:sld xmlns:a="http://schemas.openxmlformats.org/drawingml/2006/main" xmlns:r="http://schemas.openxmlformats.org/officeDocument/2006/relationships" xmlns:p="http://schemas.openxmlformats.org/presentationml/2006/main">
   <p:cSld>
     <p:spTree>
@@ -39630,13 +39809,13 @@
   <p:clrMapOvr>
     <a:masterClrMapping/>
   </p:clrMapOvr>
-  <mc:AlternateContent xmlns:mc="http://schemas.openxmlformats.org/markup-compatibility/2006">
-    <mc:Choice xmlns:p159="http://schemas.microsoft.com/office/powerpoint/2015/09/main" Requires="p159">
+  <mc:AlternateContent xmlns:mc="http://schemas.openxmlformats.org/markup-compatibility/2006" xmlns:p159="http://schemas.microsoft.com/office/powerpoint/2015/09/main">
+    <mc:Choice Requires="p159">
       <p:transition xmlns:p14="http://schemas.microsoft.com/office/powerpoint/2010/main" spd="slow" p14:dur="2000">
         <p159:morph option="byObject"/>
       </p:transition>
     </mc:Choice>
-    <mc:Fallback>
+    <mc:Fallback xmlns="">
       <p:transition spd="slow">
         <p:fade/>
       </p:transition>
@@ -39645,7 +39824,7 @@
 </p:sld>
 </file>
 
-<file path=ppt/slides/slide25.xml><?xml version="1.0" encoding="utf-8"?>
+<file path=ppt/slides/slide26.xml><?xml version="1.0" encoding="utf-8"?>
 <p:sld xmlns:a="http://schemas.openxmlformats.org/drawingml/2006/main" xmlns:r="http://schemas.openxmlformats.org/officeDocument/2006/relationships" xmlns:p="http://schemas.openxmlformats.org/presentationml/2006/main">
   <p:cSld>
     <p:spTree>
@@ -39818,13 +39997,13 @@
   <p:clrMapOvr>
     <a:masterClrMapping/>
   </p:clrMapOvr>
-  <mc:AlternateContent xmlns:mc="http://schemas.openxmlformats.org/markup-compatibility/2006">
-    <mc:Choice xmlns:p159="http://schemas.microsoft.com/office/powerpoint/2015/09/main" Requires="p159">
+  <mc:AlternateContent xmlns:mc="http://schemas.openxmlformats.org/markup-compatibility/2006" xmlns:p159="http://schemas.microsoft.com/office/powerpoint/2015/09/main">
+    <mc:Choice Requires="p159">
       <p:transition xmlns:p14="http://schemas.microsoft.com/office/powerpoint/2010/main" spd="slow" p14:dur="2000">
         <p159:morph option="byObject"/>
       </p:transition>
     </mc:Choice>
-    <mc:Fallback>
+    <mc:Fallback xmlns="">
       <p:transition spd="slow">
         <p:fade/>
       </p:transition>
@@ -39833,7 +40012,7 @@
 </p:sld>
 </file>
 
-<file path=ppt/slides/slide26.xml><?xml version="1.0" encoding="utf-8"?>
+<file path=ppt/slides/slide27.xml><?xml version="1.0" encoding="utf-8"?>
 <p:sld xmlns:a="http://schemas.openxmlformats.org/drawingml/2006/main" xmlns:r="http://schemas.openxmlformats.org/officeDocument/2006/relationships" xmlns:p="http://schemas.openxmlformats.org/presentationml/2006/main">
   <p:cSld>
     <p:spTree>
@@ -40619,13 +40798,13 @@
   <p:clrMapOvr>
     <a:masterClrMapping/>
   </p:clrMapOvr>
-  <mc:AlternateContent xmlns:mc="http://schemas.openxmlformats.org/markup-compatibility/2006">
-    <mc:Choice xmlns:p159="http://schemas.microsoft.com/office/powerpoint/2015/09/main" Requires="p159">
+  <mc:AlternateContent xmlns:mc="http://schemas.openxmlformats.org/markup-compatibility/2006" xmlns:p159="http://schemas.microsoft.com/office/powerpoint/2015/09/main">
+    <mc:Choice Requires="p159">
       <p:transition xmlns:p14="http://schemas.microsoft.com/office/powerpoint/2010/main" spd="slow" p14:dur="2000">
         <p159:morph option="byObject"/>
       </p:transition>
     </mc:Choice>
-    <mc:Fallback>
+    <mc:Fallback xmlns="">
       <p:transition spd="slow">
         <p:fade/>
       </p:transition>
@@ -40634,7 +40813,7 @@
 </p:sld>
 </file>
 
-<file path=ppt/slides/slide27.xml><?xml version="1.0" encoding="utf-8"?>
+<file path=ppt/slides/slide28.xml><?xml version="1.0" encoding="utf-8"?>
 <p:sld xmlns:a="http://schemas.openxmlformats.org/drawingml/2006/main" xmlns:r="http://schemas.openxmlformats.org/officeDocument/2006/relationships" xmlns:p="http://schemas.openxmlformats.org/presentationml/2006/main">
   <p:cSld>
     <p:spTree>
@@ -41469,13 +41648,13 @@
   <p:clrMapOvr>
     <a:masterClrMapping/>
   </p:clrMapOvr>
-  <mc:AlternateContent xmlns:mc="http://schemas.openxmlformats.org/markup-compatibility/2006">
-    <mc:Choice xmlns:p159="http://schemas.microsoft.com/office/powerpoint/2015/09/main" Requires="p159">
+  <mc:AlternateContent xmlns:mc="http://schemas.openxmlformats.org/markup-compatibility/2006" xmlns:p159="http://schemas.microsoft.com/office/powerpoint/2015/09/main">
+    <mc:Choice Requires="p159">
       <p:transition xmlns:p14="http://schemas.microsoft.com/office/powerpoint/2010/main" spd="slow" p14:dur="2000">
         <p159:morph option="byObject"/>
       </p:transition>
     </mc:Choice>
-    <mc:Fallback>
+    <mc:Fallback xmlns="">
       <p:transition spd="slow">
         <p:fade/>
       </p:transition>
@@ -42432,11 +42611,11 @@
   <p:clrMapOvr>
     <a:masterClrMapping/>
   </p:clrMapOvr>
-  <mc:AlternateContent xmlns:mc="http://schemas.openxmlformats.org/markup-compatibility/2006">
-    <mc:Choice xmlns:p14="http://schemas.microsoft.com/office/powerpoint/2010/main" Requires="p14">
+  <mc:AlternateContent xmlns:mc="http://schemas.openxmlformats.org/markup-compatibility/2006" xmlns:p14="http://schemas.microsoft.com/office/powerpoint/2010/main">
+    <mc:Choice Requires="p14">
       <p:transition p14:dur="0"/>
     </mc:Choice>
-    <mc:Fallback>
+    <mc:Fallback xmlns="">
       <p:transition/>
     </mc:Fallback>
   </mc:AlternateContent>
@@ -43990,13 +44169,13 @@
   <p:clrMapOvr>
     <a:masterClrMapping/>
   </p:clrMapOvr>
-  <mc:AlternateContent xmlns:mc="http://schemas.openxmlformats.org/markup-compatibility/2006">
-    <mc:Choice xmlns:p159="http://schemas.microsoft.com/office/powerpoint/2015/09/main" Requires="p159">
+  <mc:AlternateContent xmlns:mc="http://schemas.openxmlformats.org/markup-compatibility/2006" xmlns:p159="http://schemas.microsoft.com/office/powerpoint/2015/09/main">
+    <mc:Choice Requires="p159">
       <p:transition xmlns:p14="http://schemas.microsoft.com/office/powerpoint/2010/main" spd="slow" p14:dur="2000">
         <p159:morph option="byObject"/>
       </p:transition>
     </mc:Choice>
-    <mc:Fallback>
+    <mc:Fallback xmlns="">
       <p:transition spd="slow">
         <p:fade/>
       </p:transition>
@@ -44677,13 +44856,13 @@
   <p:clrMapOvr>
     <a:masterClrMapping/>
   </p:clrMapOvr>
-  <mc:AlternateContent xmlns:mc="http://schemas.openxmlformats.org/markup-compatibility/2006">
-    <mc:Choice xmlns:p159="http://schemas.microsoft.com/office/powerpoint/2015/09/main" Requires="p159">
+  <mc:AlternateContent xmlns:mc="http://schemas.openxmlformats.org/markup-compatibility/2006" xmlns:p159="http://schemas.microsoft.com/office/powerpoint/2015/09/main">
+    <mc:Choice Requires="p159">
       <p:transition xmlns:p14="http://schemas.microsoft.com/office/powerpoint/2010/main" spd="slow" p14:dur="2000">
         <p159:morph option="byObject"/>
       </p:transition>
     </mc:Choice>
-    <mc:Fallback>
+    <mc:Fallback xmlns="">
       <p:transition spd="slow">
         <p:fade/>
       </p:transition>
@@ -46206,13 +46385,13 @@
   <p:clrMapOvr>
     <a:masterClrMapping/>
   </p:clrMapOvr>
-  <mc:AlternateContent xmlns:mc="http://schemas.openxmlformats.org/markup-compatibility/2006">
-    <mc:Choice xmlns:p159="http://schemas.microsoft.com/office/powerpoint/2015/09/main" Requires="p159">
+  <mc:AlternateContent xmlns:mc="http://schemas.openxmlformats.org/markup-compatibility/2006" xmlns:p159="http://schemas.microsoft.com/office/powerpoint/2015/09/main">
+    <mc:Choice Requires="p159">
       <p:transition xmlns:p14="http://schemas.microsoft.com/office/powerpoint/2010/main" spd="slow" p14:dur="2000">
         <p159:morph option="byObject"/>
       </p:transition>
     </mc:Choice>
-    <mc:Fallback>
+    <mc:Fallback xmlns="">
       <p:transition spd="slow">
         <p:fade/>
       </p:transition>
@@ -49435,13 +49614,13 @@
   <p:clrMapOvr>
     <a:masterClrMapping/>
   </p:clrMapOvr>
-  <mc:AlternateContent xmlns:mc="http://schemas.openxmlformats.org/markup-compatibility/2006">
-    <mc:Choice xmlns:p159="http://schemas.microsoft.com/office/powerpoint/2015/09/main" Requires="p159">
+  <mc:AlternateContent xmlns:mc="http://schemas.openxmlformats.org/markup-compatibility/2006" xmlns:p159="http://schemas.microsoft.com/office/powerpoint/2015/09/main">
+    <mc:Choice Requires="p159">
       <p:transition xmlns:p14="http://schemas.microsoft.com/office/powerpoint/2010/main" spd="slow" p14:dur="2000">
         <p159:morph option="byObject"/>
       </p:transition>
     </mc:Choice>
-    <mc:Fallback>
+    <mc:Fallback xmlns="">
       <p:transition spd="slow">
         <p:fade/>
       </p:transition>
@@ -49913,13 +50092,13 @@
   <p:clrMapOvr>
     <a:masterClrMapping/>
   </p:clrMapOvr>
-  <mc:AlternateContent xmlns:mc="http://schemas.openxmlformats.org/markup-compatibility/2006">
-    <mc:Choice xmlns:p159="http://schemas.microsoft.com/office/powerpoint/2015/09/main" Requires="p159">
+  <mc:AlternateContent xmlns:mc="http://schemas.openxmlformats.org/markup-compatibility/2006" xmlns:p159="http://schemas.microsoft.com/office/powerpoint/2015/09/main">
+    <mc:Choice Requires="p159">
       <p:transition xmlns:p14="http://schemas.microsoft.com/office/powerpoint/2010/main" spd="slow" p14:dur="2000">
         <p159:morph option="byObject"/>
       </p:transition>
     </mc:Choice>
-    <mc:Fallback>
+    <mc:Fallback xmlns="">
       <p:transition spd="slow">
         <p:fade/>
       </p:transition>
@@ -51070,13 +51249,13 @@
   <p:clrMapOvr>
     <a:masterClrMapping/>
   </p:clrMapOvr>
-  <mc:AlternateContent xmlns:mc="http://schemas.openxmlformats.org/markup-compatibility/2006">
-    <mc:Choice xmlns:p159="http://schemas.microsoft.com/office/powerpoint/2015/09/main" Requires="p159">
+  <mc:AlternateContent xmlns:mc="http://schemas.openxmlformats.org/markup-compatibility/2006" xmlns:p159="http://schemas.microsoft.com/office/powerpoint/2015/09/main">
+    <mc:Choice Requires="p159">
       <p:transition xmlns:p14="http://schemas.microsoft.com/office/powerpoint/2010/main" spd="slow" p14:dur="2000">
         <p159:morph option="byObject"/>
       </p:transition>
     </mc:Choice>
-    <mc:Fallback>
+    <mc:Fallback xmlns="">
       <p:transition spd="slow">
         <p:fade/>
       </p:transition>
@@ -51648,6 +51827,14 @@
 </file>
 
 <file path=customXml/item1.xml><?xml version="1.0" encoding="utf-8"?>
+<p:properties xmlns:p="http://schemas.microsoft.com/office/2006/metadata/properties" xmlns:xsi="http://www.w3.org/2001/XMLSchema-instance" xmlns:pc="http://schemas.microsoft.com/office/infopath/2007/PartnerControls">
+  <documentManagement>
+    <_activity xmlns="49dd4e8c-2135-4887-832e-d61b2162b423" xsi:nil="true"/>
+  </documentManagement>
+</p:properties>
+</file>
+
+<file path=customXml/item2.xml><?xml version="1.0" encoding="utf-8"?>
 <?mso-contentType ?>
 <FormTemplates xmlns="http://schemas.microsoft.com/sharepoint/v3/contenttype/forms">
   <Display>DocumentLibraryForm</Display>
@@ -51656,7 +51843,7 @@
 </FormTemplates>
 </file>
 
-<file path=customXml/item2.xml><?xml version="1.0" encoding="utf-8"?>
+<file path=customXml/item3.xml><?xml version="1.0" encoding="utf-8"?>
 <ct:contentTypeSchema xmlns:ct="http://schemas.microsoft.com/office/2006/metadata/contentType" xmlns:ma="http://schemas.microsoft.com/office/2006/metadata/properties/metaAttributes" ct:_="" ma:_="" ma:contentTypeName="Document" ma:contentTypeID="0x010100F53DFFF33A009944AA5E84A77187F045" ma:contentTypeVersion="7" ma:contentTypeDescription="Create a new document." ma:contentTypeScope="" ma:versionID="624030150770af7c9ba388913c8848e3">
   <xsd:schema xmlns:xsd="http://www.w3.org/2001/XMLSchema" xmlns:xs="http://www.w3.org/2001/XMLSchema" xmlns:p="http://schemas.microsoft.com/office/2006/metadata/properties" xmlns:ns3="49dd4e8c-2135-4887-832e-d61b2162b423" xmlns:ns4="2d166a58-0a34-4ad4-a38f-36139e8fd38e" targetNamespace="http://schemas.microsoft.com/office/2006/metadata/properties" ma:root="true" ma:fieldsID="4def2a016d484ff077c837fe5df8723e" ns3:_="" ns4:_="">
     <xsd:import namespace="49dd4e8c-2135-4887-832e-d61b2162b423"/>
@@ -51839,15 +52026,24 @@
 </ct:contentTypeSchema>
 </file>
 
-<file path=customXml/item3.xml><?xml version="1.0" encoding="utf-8"?>
-<p:properties xmlns:p="http://schemas.microsoft.com/office/2006/metadata/properties" xmlns:xsi="http://www.w3.org/2001/XMLSchema-instance" xmlns:pc="http://schemas.microsoft.com/office/infopath/2007/PartnerControls">
-  <documentManagement>
-    <_activity xmlns="49dd4e8c-2135-4887-832e-d61b2162b423" xsi:nil="true"/>
-  </documentManagement>
-</p:properties>
+<file path=customXml/itemProps1.xml><?xml version="1.0" encoding="utf-8"?>
+<ds:datastoreItem xmlns:ds="http://schemas.openxmlformats.org/officeDocument/2006/customXml" ds:itemID="{7A83952A-3EA0-45C0-B658-D49FDD9DCE8D}">
+  <ds:schemaRefs>
+    <ds:schemaRef ds:uri="2d166a58-0a34-4ad4-a38f-36139e8fd38e"/>
+    <ds:schemaRef ds:uri="49dd4e8c-2135-4887-832e-d61b2162b423"/>
+    <ds:schemaRef ds:uri="http://purl.org/dc/dcmitype/"/>
+    <ds:schemaRef ds:uri="http://purl.org/dc/elements/1.1/"/>
+    <ds:schemaRef ds:uri="http://purl.org/dc/terms/"/>
+    <ds:schemaRef ds:uri="http://schemas.microsoft.com/office/2006/documentManagement/types"/>
+    <ds:schemaRef ds:uri="http://schemas.microsoft.com/office/2006/metadata/properties"/>
+    <ds:schemaRef ds:uri="http://schemas.microsoft.com/office/infopath/2007/PartnerControls"/>
+    <ds:schemaRef ds:uri="http://schemas.openxmlformats.org/package/2006/metadata/core-properties"/>
+    <ds:schemaRef ds:uri="http://www.w3.org/XML/1998/namespace"/>
+  </ds:schemaRefs>
+</ds:datastoreItem>
 </file>
 
-<file path=customXml/itemProps1.xml><?xml version="1.0" encoding="utf-8"?>
+<file path=customXml/itemProps2.xml><?xml version="1.0" encoding="utf-8"?>
 <ds:datastoreItem xmlns:ds="http://schemas.openxmlformats.org/officeDocument/2006/customXml" ds:itemID="{D10015E1-CB0C-4539-A6D8-FE64B4003EB8}">
   <ds:schemaRefs>
     <ds:schemaRef ds:uri="http://schemas.microsoft.com/sharepoint/v3/contenttype/forms"/>
@@ -51855,7 +52051,7 @@
 </ds:datastoreItem>
 </file>
 
-<file path=customXml/itemProps2.xml><?xml version="1.0" encoding="utf-8"?>
+<file path=customXml/itemProps3.xml><?xml version="1.0" encoding="utf-8"?>
 <ds:datastoreItem xmlns:ds="http://schemas.openxmlformats.org/officeDocument/2006/customXml" ds:itemID="{08D24AF8-15DE-4236-995E-F639EF339881}">
   <ds:schemaRefs>
     <ds:schemaRef ds:uri="2d166a58-0a34-4ad4-a38f-36139e8fd38e"/>
@@ -51872,21 +52068,4 @@
     <ds:schemaRef ds:uri="http://www.w3.org/2001/XMLSchema"/>
   </ds:schemaRefs>
 </ds:datastoreItem>
-</file>
-
-<file path=customXml/itemProps3.xml><?xml version="1.0" encoding="utf-8"?>
-<ds:datastoreItem xmlns:ds="http://schemas.openxmlformats.org/officeDocument/2006/customXml" ds:itemID="{7A83952A-3EA0-45C0-B658-D49FDD9DCE8D}">
-  <ds:schemaRefs>
-    <ds:schemaRef ds:uri="2d166a58-0a34-4ad4-a38f-36139e8fd38e"/>
-    <ds:schemaRef ds:uri="49dd4e8c-2135-4887-832e-d61b2162b423"/>
-    <ds:schemaRef ds:uri="http://purl.org/dc/dcmitype/"/>
-    <ds:schemaRef ds:uri="http://purl.org/dc/elements/1.1/"/>
-    <ds:schemaRef ds:uri="http://purl.org/dc/terms/"/>
-    <ds:schemaRef ds:uri="http://schemas.microsoft.com/office/2006/documentManagement/types"/>
-    <ds:schemaRef ds:uri="http://schemas.microsoft.com/office/2006/metadata/properties"/>
-    <ds:schemaRef ds:uri="http://schemas.microsoft.com/office/infopath/2007/PartnerControls"/>
-    <ds:schemaRef ds:uri="http://schemas.openxmlformats.org/package/2006/metadata/core-properties"/>
-    <ds:schemaRef ds:uri="http://www.w3.org/XML/1998/namespace"/>
-  </ds:schemaRefs>
-</ds:datastoreItem>
 </file>